--- a/Slides/Summary Page.pptx
+++ b/Slides/Summary Page.pptx
@@ -5,7 +5,7 @@
     <p:sldMasterId id="2147483738" r:id="rId1"/>
   </p:sldMasterIdLst>
   <p:notesMasterIdLst>
-    <p:notesMasterId r:id="rId23"/>
+    <p:notesMasterId r:id="rId27"/>
   </p:notesMasterIdLst>
   <p:sldIdLst>
     <p:sldId id="256" r:id="rId2"/>
@@ -28,7 +28,11 @@
     <p:sldId id="266" r:id="rId19"/>
     <p:sldId id="269" r:id="rId20"/>
     <p:sldId id="286" r:id="rId21"/>
-    <p:sldId id="279" r:id="rId22"/>
+    <p:sldId id="290" r:id="rId22"/>
+    <p:sldId id="289" r:id="rId23"/>
+    <p:sldId id="287" r:id="rId24"/>
+    <p:sldId id="288" r:id="rId25"/>
+    <p:sldId id="279" r:id="rId26"/>
   </p:sldIdLst>
   <p:sldSz cx="12192000" cy="6858000"/>
   <p:notesSz cx="6858000" cy="9144000"/>
@@ -217,7 +221,7 @@
           <a:p>
             <a:fld id="{E7DC856E-1B20-40A7-83C6-EC1816C3CD80}" type="datetimeFigureOut">
               <a:rPr lang="en-SG" smtClean="0"/>
-              <a:t>14/2/2021</a:t>
+              <a:t>15/2/2021</a:t>
             </a:fld>
             <a:endParaRPr lang="en-SG"/>
           </a:p>
@@ -783,6 +787,434 @@
 </p:notes>
 </file>
 
+<file path=ppt/notesSlides/notesSlide4.xml><?xml version="1.0" encoding="utf-8"?>
+<p:notes xmlns:a="http://schemas.openxmlformats.org/drawingml/2006/main" xmlns:r="http://schemas.openxmlformats.org/officeDocument/2006/relationships" xmlns:p="http://schemas.openxmlformats.org/presentationml/2006/main">
+  <p:cSld>
+    <p:spTree>
+      <p:nvGrpSpPr>
+        <p:cNvPr id="1" name=""/>
+        <p:cNvGrpSpPr/>
+        <p:nvPr/>
+      </p:nvGrpSpPr>
+      <p:grpSpPr>
+        <a:xfrm>
+          <a:off x="0" y="0"/>
+          <a:ext cx="0" cy="0"/>
+          <a:chOff x="0" y="0"/>
+          <a:chExt cx="0" cy="0"/>
+        </a:xfrm>
+      </p:grpSpPr>
+      <p:sp>
+        <p:nvSpPr>
+          <p:cNvPr id="2" name="Slide Image Placeholder 1"/>
+          <p:cNvSpPr>
+            <a:spLocks noGrp="1" noRot="1" noChangeAspect="1"/>
+          </p:cNvSpPr>
+          <p:nvPr>
+            <p:ph type="sldImg"/>
+          </p:nvPr>
+        </p:nvSpPr>
+        <p:spPr/>
+      </p:sp>
+      <p:sp>
+        <p:nvSpPr>
+          <p:cNvPr id="3" name="Notes Placeholder 2"/>
+          <p:cNvSpPr>
+            <a:spLocks noGrp="1"/>
+          </p:cNvSpPr>
+          <p:nvPr>
+            <p:ph type="body" idx="1"/>
+          </p:nvPr>
+        </p:nvSpPr>
+        <p:spPr/>
+        <p:txBody>
+          <a:bodyPr/>
+          <a:lstStyle/>
+          <a:p>
+            <a:pPr marL="0" marR="0" lvl="0" indent="0" algn="l" defTabSz="914400" rtl="0" eaLnBrk="1" fontAlgn="auto" latinLnBrk="0" hangingPunct="1">
+              <a:lnSpc>
+                <a:spcPct val="100000"/>
+              </a:lnSpc>
+              <a:spcBef>
+                <a:spcPts val="0"/>
+              </a:spcBef>
+              <a:spcAft>
+                <a:spcPts val="0"/>
+              </a:spcAft>
+              <a:buClrTx/>
+              <a:buSzTx/>
+              <a:buFontTx/>
+              <a:buNone/>
+              <a:tabLst/>
+              <a:defRPr/>
+            </a:pPr>
+            <a:r>
+              <a:rPr lang="en-SG" dirty="0"/>
+              <a:t>&lt;Describe using walkie talkie&gt;</a:t>
+            </a:r>
+          </a:p>
+          <a:p>
+            <a:endParaRPr lang="en-SG" dirty="0"/>
+          </a:p>
+        </p:txBody>
+      </p:sp>
+      <p:sp>
+        <p:nvSpPr>
+          <p:cNvPr id="4" name="Slide Number Placeholder 3"/>
+          <p:cNvSpPr>
+            <a:spLocks noGrp="1"/>
+          </p:cNvSpPr>
+          <p:nvPr>
+            <p:ph type="sldNum" sz="quarter" idx="5"/>
+          </p:nvPr>
+        </p:nvSpPr>
+        <p:spPr/>
+        <p:txBody>
+          <a:bodyPr/>
+          <a:lstStyle/>
+          <a:p>
+            <a:fld id="{C769CBDA-70F4-4896-8985-2EF2C460E1A5}" type="slidenum">
+              <a:rPr lang="en-SG" smtClean="0"/>
+              <a:t>21</a:t>
+            </a:fld>
+            <a:endParaRPr lang="en-SG"/>
+          </a:p>
+        </p:txBody>
+      </p:sp>
+    </p:spTree>
+    <p:extLst>
+      <p:ext uri="{BB962C8B-B14F-4D97-AF65-F5344CB8AC3E}">
+        <p14:creationId xmlns:p14="http://schemas.microsoft.com/office/powerpoint/2010/main" val="3998449651"/>
+      </p:ext>
+    </p:extLst>
+  </p:cSld>
+  <p:clrMapOvr>
+    <a:masterClrMapping/>
+  </p:clrMapOvr>
+</p:notes>
+</file>
+
+<file path=ppt/notesSlides/notesSlide5.xml><?xml version="1.0" encoding="utf-8"?>
+<p:notes xmlns:a="http://schemas.openxmlformats.org/drawingml/2006/main" xmlns:r="http://schemas.openxmlformats.org/officeDocument/2006/relationships" xmlns:p="http://schemas.openxmlformats.org/presentationml/2006/main">
+  <p:cSld>
+    <p:spTree>
+      <p:nvGrpSpPr>
+        <p:cNvPr id="1" name=""/>
+        <p:cNvGrpSpPr/>
+        <p:nvPr/>
+      </p:nvGrpSpPr>
+      <p:grpSpPr>
+        <a:xfrm>
+          <a:off x="0" y="0"/>
+          <a:ext cx="0" cy="0"/>
+          <a:chOff x="0" y="0"/>
+          <a:chExt cx="0" cy="0"/>
+        </a:xfrm>
+      </p:grpSpPr>
+      <p:sp>
+        <p:nvSpPr>
+          <p:cNvPr id="2" name="Slide Image Placeholder 1"/>
+          <p:cNvSpPr>
+            <a:spLocks noGrp="1" noRot="1" noChangeAspect="1"/>
+          </p:cNvSpPr>
+          <p:nvPr>
+            <p:ph type="sldImg"/>
+          </p:nvPr>
+        </p:nvSpPr>
+        <p:spPr/>
+      </p:sp>
+      <p:sp>
+        <p:nvSpPr>
+          <p:cNvPr id="3" name="Notes Placeholder 2"/>
+          <p:cNvSpPr>
+            <a:spLocks noGrp="1"/>
+          </p:cNvSpPr>
+          <p:nvPr>
+            <p:ph type="body" idx="1"/>
+          </p:nvPr>
+        </p:nvSpPr>
+        <p:spPr/>
+        <p:txBody>
+          <a:bodyPr/>
+          <a:lstStyle/>
+          <a:p>
+            <a:pPr marL="0" marR="0" lvl="0" indent="0" algn="l" defTabSz="914400" rtl="0" eaLnBrk="1" fontAlgn="auto" latinLnBrk="0" hangingPunct="1">
+              <a:lnSpc>
+                <a:spcPct val="100000"/>
+              </a:lnSpc>
+              <a:spcBef>
+                <a:spcPts val="0"/>
+              </a:spcBef>
+              <a:spcAft>
+                <a:spcPts val="0"/>
+              </a:spcAft>
+              <a:buClrTx/>
+              <a:buSzTx/>
+              <a:buFontTx/>
+              <a:buNone/>
+              <a:tabLst/>
+              <a:defRPr/>
+            </a:pPr>
+            <a:r>
+              <a:rPr lang="en-SG" dirty="0"/>
+              <a:t>&lt;Describe using walkie talkie&gt;</a:t>
+            </a:r>
+          </a:p>
+          <a:p>
+            <a:endParaRPr lang="en-SG" dirty="0"/>
+          </a:p>
+        </p:txBody>
+      </p:sp>
+      <p:sp>
+        <p:nvSpPr>
+          <p:cNvPr id="4" name="Slide Number Placeholder 3"/>
+          <p:cNvSpPr>
+            <a:spLocks noGrp="1"/>
+          </p:cNvSpPr>
+          <p:nvPr>
+            <p:ph type="sldNum" sz="quarter" idx="5"/>
+          </p:nvPr>
+        </p:nvSpPr>
+        <p:spPr/>
+        <p:txBody>
+          <a:bodyPr/>
+          <a:lstStyle/>
+          <a:p>
+            <a:fld id="{C769CBDA-70F4-4896-8985-2EF2C460E1A5}" type="slidenum">
+              <a:rPr lang="en-SG" smtClean="0"/>
+              <a:t>22</a:t>
+            </a:fld>
+            <a:endParaRPr lang="en-SG"/>
+          </a:p>
+        </p:txBody>
+      </p:sp>
+    </p:spTree>
+    <p:extLst>
+      <p:ext uri="{BB962C8B-B14F-4D97-AF65-F5344CB8AC3E}">
+        <p14:creationId xmlns:p14="http://schemas.microsoft.com/office/powerpoint/2010/main" val="2256644553"/>
+      </p:ext>
+    </p:extLst>
+  </p:cSld>
+  <p:clrMapOvr>
+    <a:masterClrMapping/>
+  </p:clrMapOvr>
+</p:notes>
+</file>
+
+<file path=ppt/notesSlides/notesSlide6.xml><?xml version="1.0" encoding="utf-8"?>
+<p:notes xmlns:a="http://schemas.openxmlformats.org/drawingml/2006/main" xmlns:r="http://schemas.openxmlformats.org/officeDocument/2006/relationships" xmlns:p="http://schemas.openxmlformats.org/presentationml/2006/main">
+  <p:cSld>
+    <p:spTree>
+      <p:nvGrpSpPr>
+        <p:cNvPr id="1" name=""/>
+        <p:cNvGrpSpPr/>
+        <p:nvPr/>
+      </p:nvGrpSpPr>
+      <p:grpSpPr>
+        <a:xfrm>
+          <a:off x="0" y="0"/>
+          <a:ext cx="0" cy="0"/>
+          <a:chOff x="0" y="0"/>
+          <a:chExt cx="0" cy="0"/>
+        </a:xfrm>
+      </p:grpSpPr>
+      <p:sp>
+        <p:nvSpPr>
+          <p:cNvPr id="2" name="Slide Image Placeholder 1"/>
+          <p:cNvSpPr>
+            <a:spLocks noGrp="1" noRot="1" noChangeAspect="1"/>
+          </p:cNvSpPr>
+          <p:nvPr>
+            <p:ph type="sldImg"/>
+          </p:nvPr>
+        </p:nvSpPr>
+        <p:spPr/>
+      </p:sp>
+      <p:sp>
+        <p:nvSpPr>
+          <p:cNvPr id="3" name="Notes Placeholder 2"/>
+          <p:cNvSpPr>
+            <a:spLocks noGrp="1"/>
+          </p:cNvSpPr>
+          <p:nvPr>
+            <p:ph type="body" idx="1"/>
+          </p:nvPr>
+        </p:nvSpPr>
+        <p:spPr/>
+        <p:txBody>
+          <a:bodyPr/>
+          <a:lstStyle/>
+          <a:p>
+            <a:pPr marL="0" marR="0" lvl="0" indent="0" algn="l" defTabSz="914400" rtl="0" eaLnBrk="1" fontAlgn="auto" latinLnBrk="0" hangingPunct="1">
+              <a:lnSpc>
+                <a:spcPct val="100000"/>
+              </a:lnSpc>
+              <a:spcBef>
+                <a:spcPts val="0"/>
+              </a:spcBef>
+              <a:spcAft>
+                <a:spcPts val="0"/>
+              </a:spcAft>
+              <a:buClrTx/>
+              <a:buSzTx/>
+              <a:buFontTx/>
+              <a:buNone/>
+              <a:tabLst/>
+              <a:defRPr/>
+            </a:pPr>
+            <a:r>
+              <a:rPr lang="en-SG" dirty="0"/>
+              <a:t>&lt;Describe using walkie talkie&gt;</a:t>
+            </a:r>
+          </a:p>
+          <a:p>
+            <a:endParaRPr lang="en-SG" dirty="0"/>
+          </a:p>
+        </p:txBody>
+      </p:sp>
+      <p:sp>
+        <p:nvSpPr>
+          <p:cNvPr id="4" name="Slide Number Placeholder 3"/>
+          <p:cNvSpPr>
+            <a:spLocks noGrp="1"/>
+          </p:cNvSpPr>
+          <p:nvPr>
+            <p:ph type="sldNum" sz="quarter" idx="5"/>
+          </p:nvPr>
+        </p:nvSpPr>
+        <p:spPr/>
+        <p:txBody>
+          <a:bodyPr/>
+          <a:lstStyle/>
+          <a:p>
+            <a:fld id="{C769CBDA-70F4-4896-8985-2EF2C460E1A5}" type="slidenum">
+              <a:rPr lang="en-SG" smtClean="0"/>
+              <a:t>23</a:t>
+            </a:fld>
+            <a:endParaRPr lang="en-SG"/>
+          </a:p>
+        </p:txBody>
+      </p:sp>
+    </p:spTree>
+    <p:extLst>
+      <p:ext uri="{BB962C8B-B14F-4D97-AF65-F5344CB8AC3E}">
+        <p14:creationId xmlns:p14="http://schemas.microsoft.com/office/powerpoint/2010/main" val="2213824787"/>
+      </p:ext>
+    </p:extLst>
+  </p:cSld>
+  <p:clrMapOvr>
+    <a:masterClrMapping/>
+  </p:clrMapOvr>
+</p:notes>
+</file>
+
+<file path=ppt/notesSlides/notesSlide7.xml><?xml version="1.0" encoding="utf-8"?>
+<p:notes xmlns:a="http://schemas.openxmlformats.org/drawingml/2006/main" xmlns:r="http://schemas.openxmlformats.org/officeDocument/2006/relationships" xmlns:p="http://schemas.openxmlformats.org/presentationml/2006/main">
+  <p:cSld>
+    <p:spTree>
+      <p:nvGrpSpPr>
+        <p:cNvPr id="1" name=""/>
+        <p:cNvGrpSpPr/>
+        <p:nvPr/>
+      </p:nvGrpSpPr>
+      <p:grpSpPr>
+        <a:xfrm>
+          <a:off x="0" y="0"/>
+          <a:ext cx="0" cy="0"/>
+          <a:chOff x="0" y="0"/>
+          <a:chExt cx="0" cy="0"/>
+        </a:xfrm>
+      </p:grpSpPr>
+      <p:sp>
+        <p:nvSpPr>
+          <p:cNvPr id="2" name="Slide Image Placeholder 1"/>
+          <p:cNvSpPr>
+            <a:spLocks noGrp="1" noRot="1" noChangeAspect="1"/>
+          </p:cNvSpPr>
+          <p:nvPr>
+            <p:ph type="sldImg"/>
+          </p:nvPr>
+        </p:nvSpPr>
+        <p:spPr/>
+      </p:sp>
+      <p:sp>
+        <p:nvSpPr>
+          <p:cNvPr id="3" name="Notes Placeholder 2"/>
+          <p:cNvSpPr>
+            <a:spLocks noGrp="1"/>
+          </p:cNvSpPr>
+          <p:nvPr>
+            <p:ph type="body" idx="1"/>
+          </p:nvPr>
+        </p:nvSpPr>
+        <p:spPr/>
+        <p:txBody>
+          <a:bodyPr/>
+          <a:lstStyle/>
+          <a:p>
+            <a:pPr marL="0" marR="0" lvl="0" indent="0" algn="l" defTabSz="914400" rtl="0" eaLnBrk="1" fontAlgn="auto" latinLnBrk="0" hangingPunct="1">
+              <a:lnSpc>
+                <a:spcPct val="100000"/>
+              </a:lnSpc>
+              <a:spcBef>
+                <a:spcPts val="0"/>
+              </a:spcBef>
+              <a:spcAft>
+                <a:spcPts val="0"/>
+              </a:spcAft>
+              <a:buClrTx/>
+              <a:buSzTx/>
+              <a:buFontTx/>
+              <a:buNone/>
+              <a:tabLst/>
+              <a:defRPr/>
+            </a:pPr>
+            <a:r>
+              <a:rPr lang="en-SG" dirty="0"/>
+              <a:t>&lt;Describe using walkie talkie&gt;</a:t>
+            </a:r>
+          </a:p>
+          <a:p>
+            <a:endParaRPr lang="en-SG" dirty="0"/>
+          </a:p>
+        </p:txBody>
+      </p:sp>
+      <p:sp>
+        <p:nvSpPr>
+          <p:cNvPr id="4" name="Slide Number Placeholder 3"/>
+          <p:cNvSpPr>
+            <a:spLocks noGrp="1"/>
+          </p:cNvSpPr>
+          <p:nvPr>
+            <p:ph type="sldNum" sz="quarter" idx="5"/>
+          </p:nvPr>
+        </p:nvSpPr>
+        <p:spPr/>
+        <p:txBody>
+          <a:bodyPr/>
+          <a:lstStyle/>
+          <a:p>
+            <a:fld id="{C769CBDA-70F4-4896-8985-2EF2C460E1A5}" type="slidenum">
+              <a:rPr lang="en-SG" smtClean="0"/>
+              <a:t>24</a:t>
+            </a:fld>
+            <a:endParaRPr lang="en-SG"/>
+          </a:p>
+        </p:txBody>
+      </p:sp>
+    </p:spTree>
+    <p:extLst>
+      <p:ext uri="{BB962C8B-B14F-4D97-AF65-F5344CB8AC3E}">
+        <p14:creationId xmlns:p14="http://schemas.microsoft.com/office/powerpoint/2010/main" val="1350775691"/>
+      </p:ext>
+    </p:extLst>
+  </p:cSld>
+  <p:clrMapOvr>
+    <a:masterClrMapping/>
+  </p:clrMapOvr>
+</p:notes>
+</file>
+
 <file path=ppt/slideLayouts/slideLayout1.xml><?xml version="1.0" encoding="utf-8"?>
 <p:sldLayout xmlns:a="http://schemas.openxmlformats.org/drawingml/2006/main" xmlns:r="http://schemas.openxmlformats.org/officeDocument/2006/relationships" xmlns:p="http://schemas.openxmlformats.org/presentationml/2006/main" showMasterSp="0" type="title" preserve="1">
   <p:cSld name="Title Slide">
@@ -1111,7 +1543,7 @@
             <a:pPr algn="l"/>
             <a:fld id="{0DCFB061-4267-4D9F-8017-6F550D3068DF}" type="datetime1">
               <a:rPr lang="en-US" smtClean="0"/>
-              <a:t>2/14/2021</a:t>
+              <a:t>2/15/2021</a:t>
             </a:fld>
             <a:endParaRPr lang="en-US" dirty="0"/>
           </a:p>
@@ -1304,7 +1736,7 @@
           <a:p>
             <a:fld id="{8141BC61-5547-4A60-8DA1-6699760D9972}" type="datetime1">
               <a:rPr lang="en-US" smtClean="0"/>
-              <a:t>2/14/2021</a:t>
+              <a:t>2/15/2021</a:t>
             </a:fld>
             <a:endParaRPr lang="en-US" dirty="0"/>
           </a:p>
@@ -1489,7 +1921,7 @@
           <a:p>
             <a:fld id="{24B9D1C6-60D0-4CD1-8F31-F912522EB041}" type="datetime1">
               <a:rPr lang="en-US" smtClean="0"/>
-              <a:t>2/14/2021</a:t>
+              <a:t>2/15/2021</a:t>
             </a:fld>
             <a:endParaRPr lang="en-US" dirty="0"/>
           </a:p>
@@ -1718,7 +2150,7 @@
           <a:p>
             <a:fld id="{47A4ED5C-5A53-433E-8A55-46F54CE81DA5}" type="datetime1">
               <a:rPr lang="en-US" smtClean="0"/>
-              <a:t>2/14/2021</a:t>
+              <a:t>2/15/2021</a:t>
             </a:fld>
             <a:endParaRPr lang="en-US" dirty="0"/>
           </a:p>
@@ -2045,7 +2477,7 @@
           <a:p>
             <a:fld id="{29CABC0C-B6DF-45E9-B954-11C99AA62C3E}" type="datetime1">
               <a:rPr lang="en-US" smtClean="0"/>
-              <a:t>2/14/2021</a:t>
+              <a:t>2/15/2021</a:t>
             </a:fld>
             <a:endParaRPr lang="en-US" dirty="0"/>
           </a:p>
@@ -2341,7 +2773,7 @@
           <a:p>
             <a:fld id="{A4AB71B9-2624-4F21-93EE-35A78B1A0DAD}" type="datetime1">
               <a:rPr lang="en-US" smtClean="0"/>
-              <a:t>2/14/2021</a:t>
+              <a:t>2/15/2021</a:t>
             </a:fld>
             <a:endParaRPr lang="en-US" dirty="0"/>
           </a:p>
@@ -2762,7 +3194,7 @@
           <a:p>
             <a:fld id="{36D37C2A-BE2E-4840-A907-3254E2916C96}" type="datetime1">
               <a:rPr lang="en-US" smtClean="0"/>
-              <a:t>2/14/2021</a:t>
+              <a:t>2/15/2021</a:t>
             </a:fld>
             <a:endParaRPr lang="en-US" dirty="0"/>
           </a:p>
@@ -2960,7 +3392,7 @@
           <a:p>
             <a:fld id="{005CD215-1C45-48A0-8534-39FFE8A7C95A}" type="datetime1">
               <a:rPr lang="en-US" smtClean="0"/>
-              <a:t>2/14/2021</a:t>
+              <a:t>2/15/2021</a:t>
             </a:fld>
             <a:endParaRPr lang="en-US" dirty="0"/>
           </a:p>
@@ -3069,7 +3501,7 @@
           <a:p>
             <a:fld id="{D3363A0F-DEF3-4134-98D0-2E1276938A8B}" type="datetime1">
               <a:rPr lang="en-US" smtClean="0"/>
-              <a:t>2/14/2021</a:t>
+              <a:t>2/15/2021</a:t>
             </a:fld>
             <a:endParaRPr lang="en-US" dirty="0"/>
           </a:p>
@@ -3490,7 +3922,7 @@
           <a:p>
             <a:fld id="{61A2E4C8-2960-4ADD-862C-4D9643CB15AC}" type="datetime1">
               <a:rPr lang="en-US" smtClean="0"/>
-              <a:t>2/14/2021</a:t>
+              <a:t>2/15/2021</a:t>
             </a:fld>
             <a:endParaRPr lang="en-US" dirty="0"/>
           </a:p>
@@ -3843,7 +4275,7 @@
           <a:p>
             <a:fld id="{48BDEA15-09CD-4275-A8E0-385C965F48B0}" type="datetime1">
               <a:rPr lang="en-US" smtClean="0"/>
-              <a:t>2/14/2021</a:t>
+              <a:t>2/15/2021</a:t>
             </a:fld>
             <a:endParaRPr lang="en-US" dirty="0"/>
           </a:p>
@@ -4148,7 +4580,7 @@
           <a:p>
             <a:fld id="{4AF8082C-0922-4249-A612-B415F5231620}" type="datetime1">
               <a:rPr lang="en-US" smtClean="0"/>
-              <a:t>2/14/2021</a:t>
+              <a:t>2/15/2021</a:t>
             </a:fld>
             <a:endParaRPr lang="en-US" dirty="0"/>
           </a:p>
@@ -4797,12 +5229,12 @@
           <a:lstStyle/>
           <a:p>
             <a:r>
-              <a:rPr lang="en-US" sz="4400" dirty="0">
+              <a:rPr lang="en-US" sz="4400">
                 <a:solidFill>
                   <a:schemeClr val="bg1"/>
                 </a:solidFill>
               </a:rPr>
-              <a:t>ISDT CA1</a:t>
+              <a:t>ISDT CA2</a:t>
             </a:r>
             <a:endParaRPr lang="en-SG" sz="4400" dirty="0">
               <a:solidFill>
@@ -9469,6 +9901,1690 @@
           <a:chExt cx="0" cy="0"/>
         </a:xfrm>
       </p:grpSpPr>
+      <p:sp useBgFill="1">
+        <p:nvSpPr>
+          <p:cNvPr id="8" name="Rectangle 7">
+            <a:extLst>
+              <a:ext uri="{FF2B5EF4-FFF2-40B4-BE49-F238E27FC236}">
+                <a16:creationId xmlns:a16="http://schemas.microsoft.com/office/drawing/2014/main" id="{72526924-84D3-45FB-A5FE-62D8FCBF53B6}"/>
+              </a:ext>
+              <a:ext uri="{C183D7F6-B498-43B3-948B-1728B52AA6E4}">
+                <adec:decorative xmlns:adec="http://schemas.microsoft.com/office/drawing/2017/decorative" val="1"/>
+              </a:ext>
+            </a:extLst>
+          </p:cNvPr>
+          <p:cNvSpPr>
+            <a:spLocks noGrp="1" noRot="1" noChangeAspect="1" noMove="1" noResize="1" noEditPoints="1" noAdjustHandles="1" noChangeArrowheads="1" noChangeShapeType="1" noTextEdit="1"/>
+          </p:cNvSpPr>
+          <p:nvPr>
+            <p:extLst>
+              <p:ext uri="{386F3935-93C4-4BCD-93E2-E3B085C9AB24}">
+                <p16:designElem xmlns:p16="http://schemas.microsoft.com/office/powerpoint/2015/main" val="1"/>
+              </p:ext>
+            </p:extLst>
+          </p:nvPr>
+        </p:nvSpPr>
+        <p:spPr>
+          <a:xfrm>
+            <a:off x="0" y="0"/>
+            <a:ext cx="12192001" cy="6858000"/>
+          </a:xfrm>
+          <a:prstGeom prst="rect">
+            <a:avLst/>
+          </a:prstGeom>
+          <a:ln>
+            <a:noFill/>
+          </a:ln>
+        </p:spPr>
+        <p:style>
+          <a:lnRef idx="2">
+            <a:schemeClr val="accent1">
+              <a:shade val="50000"/>
+            </a:schemeClr>
+          </a:lnRef>
+          <a:fillRef idx="1">
+            <a:schemeClr val="accent1"/>
+          </a:fillRef>
+          <a:effectRef idx="0">
+            <a:schemeClr val="accent1"/>
+          </a:effectRef>
+          <a:fontRef idx="minor">
+            <a:schemeClr val="lt1"/>
+          </a:fontRef>
+        </p:style>
+        <p:txBody>
+          <a:bodyPr rtlCol="0" anchor="ctr"/>
+          <a:lstStyle/>
+          <a:p>
+            <a:pPr algn="ctr"/>
+            <a:endParaRPr lang="en-US"/>
+          </a:p>
+        </p:txBody>
+      </p:sp>
+      <p:sp>
+        <p:nvSpPr>
+          <p:cNvPr id="10" name="Rectangle 9">
+            <a:extLst>
+              <a:ext uri="{FF2B5EF4-FFF2-40B4-BE49-F238E27FC236}">
+                <a16:creationId xmlns:a16="http://schemas.microsoft.com/office/drawing/2014/main" id="{5C2A6256-1DD0-4E4B-A8B3-9A711B4DBE0C}"/>
+              </a:ext>
+              <a:ext uri="{C183D7F6-B498-43B3-948B-1728B52AA6E4}">
+                <adec:decorative xmlns:adec="http://schemas.microsoft.com/office/drawing/2017/decorative" val="1"/>
+              </a:ext>
+            </a:extLst>
+          </p:cNvPr>
+          <p:cNvSpPr>
+            <a:spLocks noGrp="1" noRot="1" noChangeAspect="1" noMove="1" noResize="1" noEditPoints="1" noAdjustHandles="1" noChangeArrowheads="1" noChangeShapeType="1" noTextEdit="1"/>
+          </p:cNvSpPr>
+          <p:nvPr>
+            <p:extLst>
+              <p:ext uri="{386F3935-93C4-4BCD-93E2-E3B085C9AB24}">
+                <p16:designElem xmlns:p16="http://schemas.microsoft.com/office/powerpoint/2015/main" val="1"/>
+              </p:ext>
+            </p:extLst>
+          </p:nvPr>
+        </p:nvSpPr>
+        <p:spPr>
+          <a:xfrm>
+            <a:off x="1038768" y="2130218"/>
+            <a:ext cx="11153231" cy="4727782"/>
+          </a:xfrm>
+          <a:prstGeom prst="rect">
+            <a:avLst/>
+          </a:prstGeom>
+          <a:solidFill>
+            <a:schemeClr val="bg1">
+              <a:alpha val="75000"/>
+            </a:schemeClr>
+          </a:solidFill>
+          <a:ln>
+            <a:noFill/>
+          </a:ln>
+        </p:spPr>
+        <p:style>
+          <a:lnRef idx="2">
+            <a:schemeClr val="accent1">
+              <a:shade val="50000"/>
+            </a:schemeClr>
+          </a:lnRef>
+          <a:fillRef idx="1">
+            <a:schemeClr val="accent1"/>
+          </a:fillRef>
+          <a:effectRef idx="0">
+            <a:schemeClr val="accent1"/>
+          </a:effectRef>
+          <a:fontRef idx="minor">
+            <a:schemeClr val="lt1"/>
+          </a:fontRef>
+        </p:style>
+        <p:txBody>
+          <a:bodyPr rtlCol="0" anchor="ctr"/>
+          <a:lstStyle/>
+          <a:p>
+            <a:pPr algn="ctr"/>
+            <a:endParaRPr lang="en-US"/>
+          </a:p>
+        </p:txBody>
+      </p:sp>
+      <p:sp>
+        <p:nvSpPr>
+          <p:cNvPr id="12" name="Rectangle 11">
+            <a:extLst>
+              <a:ext uri="{FF2B5EF4-FFF2-40B4-BE49-F238E27FC236}">
+                <a16:creationId xmlns:a16="http://schemas.microsoft.com/office/drawing/2014/main" id="{41760540-185E-4652-BFD2-9B362EF3BC99}"/>
+              </a:ext>
+              <a:ext uri="{C183D7F6-B498-43B3-948B-1728B52AA6E4}">
+                <adec:decorative xmlns:adec="http://schemas.microsoft.com/office/drawing/2017/decorative" val="1"/>
+              </a:ext>
+            </a:extLst>
+          </p:cNvPr>
+          <p:cNvSpPr>
+            <a:spLocks noGrp="1" noRot="1" noChangeAspect="1" noMove="1" noResize="1" noEditPoints="1" noAdjustHandles="1" noChangeArrowheads="1" noChangeShapeType="1" noTextEdit="1"/>
+          </p:cNvSpPr>
+          <p:nvPr>
+            <p:extLst>
+              <p:ext uri="{386F3935-93C4-4BCD-93E2-E3B085C9AB24}">
+                <p16:designElem xmlns:p16="http://schemas.microsoft.com/office/powerpoint/2015/main" val="1"/>
+              </p:ext>
+            </p:extLst>
+          </p:nvPr>
+        </p:nvSpPr>
+        <p:spPr>
+          <a:xfrm>
+            <a:off x="0" y="896641"/>
+            <a:ext cx="12192000" cy="1347716"/>
+          </a:xfrm>
+          <a:prstGeom prst="rect">
+            <a:avLst/>
+          </a:prstGeom>
+          <a:solidFill>
+            <a:schemeClr val="tx2"/>
+          </a:solidFill>
+          <a:ln>
+            <a:noFill/>
+          </a:ln>
+        </p:spPr>
+        <p:style>
+          <a:lnRef idx="2">
+            <a:schemeClr val="accent1">
+              <a:shade val="50000"/>
+            </a:schemeClr>
+          </a:lnRef>
+          <a:fillRef idx="1">
+            <a:schemeClr val="accent1"/>
+          </a:fillRef>
+          <a:effectRef idx="0">
+            <a:schemeClr val="accent1"/>
+          </a:effectRef>
+          <a:fontRef idx="minor">
+            <a:schemeClr val="lt1"/>
+          </a:fontRef>
+        </p:style>
+        <p:txBody>
+          <a:bodyPr rtlCol="0" anchor="ctr"/>
+          <a:lstStyle/>
+          <a:p>
+            <a:pPr algn="ctr"/>
+            <a:endParaRPr lang="en-US"/>
+          </a:p>
+        </p:txBody>
+      </p:sp>
+      <p:sp>
+        <p:nvSpPr>
+          <p:cNvPr id="2" name="Title 1">
+            <a:extLst>
+              <a:ext uri="{FF2B5EF4-FFF2-40B4-BE49-F238E27FC236}">
+                <a16:creationId xmlns:a16="http://schemas.microsoft.com/office/drawing/2014/main" id="{ABE70A7F-97BF-45FF-B010-81F39354616F}"/>
+              </a:ext>
+            </a:extLst>
+          </p:cNvPr>
+          <p:cNvSpPr>
+            <a:spLocks noGrp="1"/>
+          </p:cNvSpPr>
+          <p:nvPr>
+            <p:ph type="title"/>
+          </p:nvPr>
+        </p:nvSpPr>
+        <p:spPr>
+          <a:xfrm>
+            <a:off x="1535371" y="1044054"/>
+            <a:ext cx="10013709" cy="1030360"/>
+          </a:xfrm>
+        </p:spPr>
+        <p:txBody>
+          <a:bodyPr>
+            <a:normAutofit/>
+          </a:bodyPr>
+          <a:lstStyle/>
+          <a:p>
+            <a:r>
+              <a:rPr lang="en-US" sz="2800" dirty="0">
+                <a:solidFill>
+                  <a:schemeClr val="bg1"/>
+                </a:solidFill>
+              </a:rPr>
+              <a:t>Static, Dynamic Batching and GPU Instancing</a:t>
+            </a:r>
+            <a:endParaRPr lang="en-SG" sz="2800" dirty="0">
+              <a:solidFill>
+                <a:schemeClr val="bg1"/>
+              </a:solidFill>
+            </a:endParaRPr>
+          </a:p>
+        </p:txBody>
+      </p:sp>
+      <p:sp>
+        <p:nvSpPr>
+          <p:cNvPr id="14" name="Rectangle 13">
+            <a:extLst>
+              <a:ext uri="{FF2B5EF4-FFF2-40B4-BE49-F238E27FC236}">
+                <a16:creationId xmlns:a16="http://schemas.microsoft.com/office/drawing/2014/main" id="{729789F4-85C1-41A0-83EB-992E22210CB9}"/>
+              </a:ext>
+              <a:ext uri="{C183D7F6-B498-43B3-948B-1728B52AA6E4}">
+                <adec:decorative xmlns:adec="http://schemas.microsoft.com/office/drawing/2017/decorative" val="1"/>
+              </a:ext>
+            </a:extLst>
+          </p:cNvPr>
+          <p:cNvSpPr>
+            <a:spLocks noGrp="1" noRot="1" noChangeAspect="1" noMove="1" noResize="1" noEditPoints="1" noAdjustHandles="1" noChangeArrowheads="1" noChangeShapeType="1" noTextEdit="1"/>
+          </p:cNvSpPr>
+          <p:nvPr>
+            <p:extLst>
+              <p:ext uri="{386F3935-93C4-4BCD-93E2-E3B085C9AB24}">
+                <p16:designElem xmlns:p16="http://schemas.microsoft.com/office/powerpoint/2015/main" val="1"/>
+              </p:ext>
+            </p:extLst>
+          </p:nvPr>
+        </p:nvSpPr>
+        <p:spPr>
+          <a:xfrm>
+            <a:off x="-1" y="962423"/>
+            <a:ext cx="1006766" cy="1216152"/>
+          </a:xfrm>
+          <a:prstGeom prst="rect">
+            <a:avLst/>
+          </a:prstGeom>
+          <a:solidFill>
+            <a:schemeClr val="accent1"/>
+          </a:solidFill>
+          <a:ln>
+            <a:noFill/>
+          </a:ln>
+        </p:spPr>
+        <p:style>
+          <a:lnRef idx="2">
+            <a:schemeClr val="accent1">
+              <a:shade val="50000"/>
+            </a:schemeClr>
+          </a:lnRef>
+          <a:fillRef idx="1">
+            <a:schemeClr val="accent1"/>
+          </a:fillRef>
+          <a:effectRef idx="0">
+            <a:schemeClr val="accent1"/>
+          </a:effectRef>
+          <a:fontRef idx="minor">
+            <a:schemeClr val="lt1"/>
+          </a:fontRef>
+        </p:style>
+        <p:txBody>
+          <a:bodyPr rtlCol="0" anchor="ctr"/>
+          <a:lstStyle/>
+          <a:p>
+            <a:pPr algn="ctr"/>
+            <a:endParaRPr lang="en-US"/>
+          </a:p>
+        </p:txBody>
+      </p:sp>
+      <p:sp>
+        <p:nvSpPr>
+          <p:cNvPr id="16" name="Rectangle 15">
+            <a:extLst>
+              <a:ext uri="{FF2B5EF4-FFF2-40B4-BE49-F238E27FC236}">
+                <a16:creationId xmlns:a16="http://schemas.microsoft.com/office/drawing/2014/main" id="{9D9D367D-6DD2-4A7C-8918-0DCAC297559A}"/>
+              </a:ext>
+              <a:ext uri="{C183D7F6-B498-43B3-948B-1728B52AA6E4}">
+                <adec:decorative xmlns:adec="http://schemas.microsoft.com/office/drawing/2017/decorative" val="1"/>
+              </a:ext>
+            </a:extLst>
+          </p:cNvPr>
+          <p:cNvSpPr>
+            <a:spLocks noGrp="1" noRot="1" noChangeAspect="1" noMove="1" noResize="1" noEditPoints="1" noAdjustHandles="1" noChangeArrowheads="1" noChangeShapeType="1" noTextEdit="1"/>
+          </p:cNvSpPr>
+          <p:nvPr>
+            <p:extLst>
+              <p:ext uri="{386F3935-93C4-4BCD-93E2-E3B085C9AB24}">
+                <p16:designElem xmlns:p16="http://schemas.microsoft.com/office/powerpoint/2015/main" val="1"/>
+              </p:ext>
+            </p:extLst>
+          </p:nvPr>
+        </p:nvSpPr>
+        <p:spPr>
+          <a:xfrm rot="5400000">
+            <a:off x="-2390232" y="3396997"/>
+            <a:ext cx="6858002" cy="64008"/>
+          </a:xfrm>
+          <a:prstGeom prst="rect">
+            <a:avLst/>
+          </a:prstGeom>
+          <a:solidFill>
+            <a:schemeClr val="tx2"/>
+          </a:solidFill>
+          <a:ln>
+            <a:noFill/>
+          </a:ln>
+        </p:spPr>
+        <p:style>
+          <a:lnRef idx="2">
+            <a:schemeClr val="accent1">
+              <a:shade val="50000"/>
+            </a:schemeClr>
+          </a:lnRef>
+          <a:fillRef idx="1">
+            <a:schemeClr val="accent1"/>
+          </a:fillRef>
+          <a:effectRef idx="0">
+            <a:schemeClr val="accent1"/>
+          </a:effectRef>
+          <a:fontRef idx="minor">
+            <a:schemeClr val="lt1"/>
+          </a:fontRef>
+        </p:style>
+        <p:txBody>
+          <a:bodyPr rtlCol="0" anchor="ctr"/>
+          <a:lstStyle/>
+          <a:p>
+            <a:pPr algn="ctr"/>
+            <a:endParaRPr lang="en-US"/>
+          </a:p>
+        </p:txBody>
+      </p:sp>
+      <p:sp>
+        <p:nvSpPr>
+          <p:cNvPr id="6" name="Content Placeholder 5">
+            <a:extLst>
+              <a:ext uri="{FF2B5EF4-FFF2-40B4-BE49-F238E27FC236}">
+                <a16:creationId xmlns:a16="http://schemas.microsoft.com/office/drawing/2014/main" id="{678DF3F8-58E2-462E-B54E-796F18AD4B5A}"/>
+              </a:ext>
+            </a:extLst>
+          </p:cNvPr>
+          <p:cNvSpPr>
+            <a:spLocks noGrp="1"/>
+          </p:cNvSpPr>
+          <p:nvPr>
+            <p:ph idx="1"/>
+          </p:nvPr>
+        </p:nvSpPr>
+        <p:spPr/>
+        <p:txBody>
+          <a:bodyPr/>
+          <a:lstStyle/>
+          <a:p>
+            <a:endParaRPr lang="en-SG" dirty="0"/>
+          </a:p>
+        </p:txBody>
+      </p:sp>
+    </p:spTree>
+    <p:extLst>
+      <p:ext uri="{BB962C8B-B14F-4D97-AF65-F5344CB8AC3E}">
+        <p14:creationId xmlns:p14="http://schemas.microsoft.com/office/powerpoint/2010/main" val="900358351"/>
+      </p:ext>
+    </p:extLst>
+  </p:cSld>
+  <p:clrMapOvr>
+    <a:masterClrMapping/>
+  </p:clrMapOvr>
+</p:sld>
+</file>
+
+<file path=ppt/slides/slide22.xml><?xml version="1.0" encoding="utf-8"?>
+<p:sld xmlns:a="http://schemas.openxmlformats.org/drawingml/2006/main" xmlns:r="http://schemas.openxmlformats.org/officeDocument/2006/relationships" xmlns:p="http://schemas.openxmlformats.org/presentationml/2006/main">
+  <p:cSld>
+    <p:bg>
+      <p:bgPr>
+        <a:solidFill>
+          <a:schemeClr val="bg2"/>
+        </a:solidFill>
+        <a:effectLst/>
+      </p:bgPr>
+    </p:bg>
+    <p:spTree>
+      <p:nvGrpSpPr>
+        <p:cNvPr id="1" name=""/>
+        <p:cNvGrpSpPr/>
+        <p:nvPr/>
+      </p:nvGrpSpPr>
+      <p:grpSpPr>
+        <a:xfrm>
+          <a:off x="0" y="0"/>
+          <a:ext cx="0" cy="0"/>
+          <a:chOff x="0" y="0"/>
+          <a:chExt cx="0" cy="0"/>
+        </a:xfrm>
+      </p:grpSpPr>
+      <p:sp useBgFill="1">
+        <p:nvSpPr>
+          <p:cNvPr id="8" name="Rectangle 7">
+            <a:extLst>
+              <a:ext uri="{FF2B5EF4-FFF2-40B4-BE49-F238E27FC236}">
+                <a16:creationId xmlns:a16="http://schemas.microsoft.com/office/drawing/2014/main" id="{72526924-84D3-45FB-A5FE-62D8FCBF53B6}"/>
+              </a:ext>
+              <a:ext uri="{C183D7F6-B498-43B3-948B-1728B52AA6E4}">
+                <adec:decorative xmlns:adec="http://schemas.microsoft.com/office/drawing/2017/decorative" val="1"/>
+              </a:ext>
+            </a:extLst>
+          </p:cNvPr>
+          <p:cNvSpPr>
+            <a:spLocks noGrp="1" noRot="1" noChangeAspect="1" noMove="1" noResize="1" noEditPoints="1" noAdjustHandles="1" noChangeArrowheads="1" noChangeShapeType="1" noTextEdit="1"/>
+          </p:cNvSpPr>
+          <p:nvPr>
+            <p:extLst>
+              <p:ext uri="{386F3935-93C4-4BCD-93E2-E3B085C9AB24}">
+                <p16:designElem xmlns:p16="http://schemas.microsoft.com/office/powerpoint/2015/main" val="1"/>
+              </p:ext>
+            </p:extLst>
+          </p:nvPr>
+        </p:nvSpPr>
+        <p:spPr>
+          <a:xfrm>
+            <a:off x="0" y="0"/>
+            <a:ext cx="12192001" cy="6858000"/>
+          </a:xfrm>
+          <a:prstGeom prst="rect">
+            <a:avLst/>
+          </a:prstGeom>
+          <a:ln>
+            <a:noFill/>
+          </a:ln>
+        </p:spPr>
+        <p:style>
+          <a:lnRef idx="2">
+            <a:schemeClr val="accent1">
+              <a:shade val="50000"/>
+            </a:schemeClr>
+          </a:lnRef>
+          <a:fillRef idx="1">
+            <a:schemeClr val="accent1"/>
+          </a:fillRef>
+          <a:effectRef idx="0">
+            <a:schemeClr val="accent1"/>
+          </a:effectRef>
+          <a:fontRef idx="minor">
+            <a:schemeClr val="lt1"/>
+          </a:fontRef>
+        </p:style>
+        <p:txBody>
+          <a:bodyPr rtlCol="0" anchor="ctr"/>
+          <a:lstStyle/>
+          <a:p>
+            <a:pPr algn="ctr"/>
+            <a:endParaRPr lang="en-US"/>
+          </a:p>
+        </p:txBody>
+      </p:sp>
+      <p:sp>
+        <p:nvSpPr>
+          <p:cNvPr id="10" name="Rectangle 9">
+            <a:extLst>
+              <a:ext uri="{FF2B5EF4-FFF2-40B4-BE49-F238E27FC236}">
+                <a16:creationId xmlns:a16="http://schemas.microsoft.com/office/drawing/2014/main" id="{5C2A6256-1DD0-4E4B-A8B3-9A711B4DBE0C}"/>
+              </a:ext>
+              <a:ext uri="{C183D7F6-B498-43B3-948B-1728B52AA6E4}">
+                <adec:decorative xmlns:adec="http://schemas.microsoft.com/office/drawing/2017/decorative" val="1"/>
+              </a:ext>
+            </a:extLst>
+          </p:cNvPr>
+          <p:cNvSpPr>
+            <a:spLocks noGrp="1" noRot="1" noChangeAspect="1" noMove="1" noResize="1" noEditPoints="1" noAdjustHandles="1" noChangeArrowheads="1" noChangeShapeType="1" noTextEdit="1"/>
+          </p:cNvSpPr>
+          <p:nvPr>
+            <p:extLst>
+              <p:ext uri="{386F3935-93C4-4BCD-93E2-E3B085C9AB24}">
+                <p16:designElem xmlns:p16="http://schemas.microsoft.com/office/powerpoint/2015/main" val="1"/>
+              </p:ext>
+            </p:extLst>
+          </p:nvPr>
+        </p:nvSpPr>
+        <p:spPr>
+          <a:xfrm>
+            <a:off x="1038768" y="2130218"/>
+            <a:ext cx="11153231" cy="4727782"/>
+          </a:xfrm>
+          <a:prstGeom prst="rect">
+            <a:avLst/>
+          </a:prstGeom>
+          <a:solidFill>
+            <a:schemeClr val="bg1">
+              <a:alpha val="75000"/>
+            </a:schemeClr>
+          </a:solidFill>
+          <a:ln>
+            <a:noFill/>
+          </a:ln>
+        </p:spPr>
+        <p:style>
+          <a:lnRef idx="2">
+            <a:schemeClr val="accent1">
+              <a:shade val="50000"/>
+            </a:schemeClr>
+          </a:lnRef>
+          <a:fillRef idx="1">
+            <a:schemeClr val="accent1"/>
+          </a:fillRef>
+          <a:effectRef idx="0">
+            <a:schemeClr val="accent1"/>
+          </a:effectRef>
+          <a:fontRef idx="minor">
+            <a:schemeClr val="lt1"/>
+          </a:fontRef>
+        </p:style>
+        <p:txBody>
+          <a:bodyPr rtlCol="0" anchor="ctr"/>
+          <a:lstStyle/>
+          <a:p>
+            <a:pPr algn="ctr"/>
+            <a:endParaRPr lang="en-US"/>
+          </a:p>
+        </p:txBody>
+      </p:sp>
+      <p:sp>
+        <p:nvSpPr>
+          <p:cNvPr id="12" name="Rectangle 11">
+            <a:extLst>
+              <a:ext uri="{FF2B5EF4-FFF2-40B4-BE49-F238E27FC236}">
+                <a16:creationId xmlns:a16="http://schemas.microsoft.com/office/drawing/2014/main" id="{41760540-185E-4652-BFD2-9B362EF3BC99}"/>
+              </a:ext>
+              <a:ext uri="{C183D7F6-B498-43B3-948B-1728B52AA6E4}">
+                <adec:decorative xmlns:adec="http://schemas.microsoft.com/office/drawing/2017/decorative" val="1"/>
+              </a:ext>
+            </a:extLst>
+          </p:cNvPr>
+          <p:cNvSpPr>
+            <a:spLocks noGrp="1" noRot="1" noChangeAspect="1" noMove="1" noResize="1" noEditPoints="1" noAdjustHandles="1" noChangeArrowheads="1" noChangeShapeType="1" noTextEdit="1"/>
+          </p:cNvSpPr>
+          <p:nvPr>
+            <p:extLst>
+              <p:ext uri="{386F3935-93C4-4BCD-93E2-E3B085C9AB24}">
+                <p16:designElem xmlns:p16="http://schemas.microsoft.com/office/powerpoint/2015/main" val="1"/>
+              </p:ext>
+            </p:extLst>
+          </p:nvPr>
+        </p:nvSpPr>
+        <p:spPr>
+          <a:xfrm>
+            <a:off x="0" y="896641"/>
+            <a:ext cx="12192000" cy="1347716"/>
+          </a:xfrm>
+          <a:prstGeom prst="rect">
+            <a:avLst/>
+          </a:prstGeom>
+          <a:solidFill>
+            <a:schemeClr val="tx2"/>
+          </a:solidFill>
+          <a:ln>
+            <a:noFill/>
+          </a:ln>
+        </p:spPr>
+        <p:style>
+          <a:lnRef idx="2">
+            <a:schemeClr val="accent1">
+              <a:shade val="50000"/>
+            </a:schemeClr>
+          </a:lnRef>
+          <a:fillRef idx="1">
+            <a:schemeClr val="accent1"/>
+          </a:fillRef>
+          <a:effectRef idx="0">
+            <a:schemeClr val="accent1"/>
+          </a:effectRef>
+          <a:fontRef idx="minor">
+            <a:schemeClr val="lt1"/>
+          </a:fontRef>
+        </p:style>
+        <p:txBody>
+          <a:bodyPr rtlCol="0" anchor="ctr"/>
+          <a:lstStyle/>
+          <a:p>
+            <a:pPr algn="ctr"/>
+            <a:endParaRPr lang="en-US"/>
+          </a:p>
+        </p:txBody>
+      </p:sp>
+      <p:sp>
+        <p:nvSpPr>
+          <p:cNvPr id="2" name="Title 1">
+            <a:extLst>
+              <a:ext uri="{FF2B5EF4-FFF2-40B4-BE49-F238E27FC236}">
+                <a16:creationId xmlns:a16="http://schemas.microsoft.com/office/drawing/2014/main" id="{ABE70A7F-97BF-45FF-B010-81F39354616F}"/>
+              </a:ext>
+            </a:extLst>
+          </p:cNvPr>
+          <p:cNvSpPr>
+            <a:spLocks noGrp="1"/>
+          </p:cNvSpPr>
+          <p:nvPr>
+            <p:ph type="title"/>
+          </p:nvPr>
+        </p:nvSpPr>
+        <p:spPr>
+          <a:xfrm>
+            <a:off x="1535371" y="1044054"/>
+            <a:ext cx="10013709" cy="1030360"/>
+          </a:xfrm>
+        </p:spPr>
+        <p:txBody>
+          <a:bodyPr>
+            <a:normAutofit/>
+          </a:bodyPr>
+          <a:lstStyle/>
+          <a:p>
+            <a:r>
+              <a:rPr lang="en-US" dirty="0">
+                <a:solidFill>
+                  <a:schemeClr val="bg1"/>
+                </a:solidFill>
+              </a:rPr>
+              <a:t>Code Indentations</a:t>
+            </a:r>
+            <a:endParaRPr lang="en-SG" dirty="0">
+              <a:solidFill>
+                <a:schemeClr val="bg1"/>
+              </a:solidFill>
+            </a:endParaRPr>
+          </a:p>
+        </p:txBody>
+      </p:sp>
+      <p:sp>
+        <p:nvSpPr>
+          <p:cNvPr id="14" name="Rectangle 13">
+            <a:extLst>
+              <a:ext uri="{FF2B5EF4-FFF2-40B4-BE49-F238E27FC236}">
+                <a16:creationId xmlns:a16="http://schemas.microsoft.com/office/drawing/2014/main" id="{729789F4-85C1-41A0-83EB-992E22210CB9}"/>
+              </a:ext>
+              <a:ext uri="{C183D7F6-B498-43B3-948B-1728B52AA6E4}">
+                <adec:decorative xmlns:adec="http://schemas.microsoft.com/office/drawing/2017/decorative" val="1"/>
+              </a:ext>
+            </a:extLst>
+          </p:cNvPr>
+          <p:cNvSpPr>
+            <a:spLocks noGrp="1" noRot="1" noChangeAspect="1" noMove="1" noResize="1" noEditPoints="1" noAdjustHandles="1" noChangeArrowheads="1" noChangeShapeType="1" noTextEdit="1"/>
+          </p:cNvSpPr>
+          <p:nvPr>
+            <p:extLst>
+              <p:ext uri="{386F3935-93C4-4BCD-93E2-E3B085C9AB24}">
+                <p16:designElem xmlns:p16="http://schemas.microsoft.com/office/powerpoint/2015/main" val="1"/>
+              </p:ext>
+            </p:extLst>
+          </p:nvPr>
+        </p:nvSpPr>
+        <p:spPr>
+          <a:xfrm>
+            <a:off x="-1" y="962423"/>
+            <a:ext cx="1006766" cy="1216152"/>
+          </a:xfrm>
+          <a:prstGeom prst="rect">
+            <a:avLst/>
+          </a:prstGeom>
+          <a:solidFill>
+            <a:schemeClr val="accent1"/>
+          </a:solidFill>
+          <a:ln>
+            <a:noFill/>
+          </a:ln>
+        </p:spPr>
+        <p:style>
+          <a:lnRef idx="2">
+            <a:schemeClr val="accent1">
+              <a:shade val="50000"/>
+            </a:schemeClr>
+          </a:lnRef>
+          <a:fillRef idx="1">
+            <a:schemeClr val="accent1"/>
+          </a:fillRef>
+          <a:effectRef idx="0">
+            <a:schemeClr val="accent1"/>
+          </a:effectRef>
+          <a:fontRef idx="minor">
+            <a:schemeClr val="lt1"/>
+          </a:fontRef>
+        </p:style>
+        <p:txBody>
+          <a:bodyPr rtlCol="0" anchor="ctr"/>
+          <a:lstStyle/>
+          <a:p>
+            <a:pPr algn="ctr"/>
+            <a:endParaRPr lang="en-US"/>
+          </a:p>
+        </p:txBody>
+      </p:sp>
+      <p:sp>
+        <p:nvSpPr>
+          <p:cNvPr id="16" name="Rectangle 15">
+            <a:extLst>
+              <a:ext uri="{FF2B5EF4-FFF2-40B4-BE49-F238E27FC236}">
+                <a16:creationId xmlns:a16="http://schemas.microsoft.com/office/drawing/2014/main" id="{9D9D367D-6DD2-4A7C-8918-0DCAC297559A}"/>
+              </a:ext>
+              <a:ext uri="{C183D7F6-B498-43B3-948B-1728B52AA6E4}">
+                <adec:decorative xmlns:adec="http://schemas.microsoft.com/office/drawing/2017/decorative" val="1"/>
+              </a:ext>
+            </a:extLst>
+          </p:cNvPr>
+          <p:cNvSpPr>
+            <a:spLocks noGrp="1" noRot="1" noChangeAspect="1" noMove="1" noResize="1" noEditPoints="1" noAdjustHandles="1" noChangeArrowheads="1" noChangeShapeType="1" noTextEdit="1"/>
+          </p:cNvSpPr>
+          <p:nvPr>
+            <p:extLst>
+              <p:ext uri="{386F3935-93C4-4BCD-93E2-E3B085C9AB24}">
+                <p16:designElem xmlns:p16="http://schemas.microsoft.com/office/powerpoint/2015/main" val="1"/>
+              </p:ext>
+            </p:extLst>
+          </p:nvPr>
+        </p:nvSpPr>
+        <p:spPr>
+          <a:xfrm rot="5400000">
+            <a:off x="-2390232" y="3396997"/>
+            <a:ext cx="6858002" cy="64008"/>
+          </a:xfrm>
+          <a:prstGeom prst="rect">
+            <a:avLst/>
+          </a:prstGeom>
+          <a:solidFill>
+            <a:schemeClr val="tx2"/>
+          </a:solidFill>
+          <a:ln>
+            <a:noFill/>
+          </a:ln>
+        </p:spPr>
+        <p:style>
+          <a:lnRef idx="2">
+            <a:schemeClr val="accent1">
+              <a:shade val="50000"/>
+            </a:schemeClr>
+          </a:lnRef>
+          <a:fillRef idx="1">
+            <a:schemeClr val="accent1"/>
+          </a:fillRef>
+          <a:effectRef idx="0">
+            <a:schemeClr val="accent1"/>
+          </a:effectRef>
+          <a:fontRef idx="minor">
+            <a:schemeClr val="lt1"/>
+          </a:fontRef>
+        </p:style>
+        <p:txBody>
+          <a:bodyPr rtlCol="0" anchor="ctr"/>
+          <a:lstStyle/>
+          <a:p>
+            <a:pPr algn="ctr"/>
+            <a:endParaRPr lang="en-US"/>
+          </a:p>
+        </p:txBody>
+      </p:sp>
+      <p:sp>
+        <p:nvSpPr>
+          <p:cNvPr id="4" name="Content Placeholder 3">
+            <a:extLst>
+              <a:ext uri="{FF2B5EF4-FFF2-40B4-BE49-F238E27FC236}">
+                <a16:creationId xmlns:a16="http://schemas.microsoft.com/office/drawing/2014/main" id="{6AA83A3C-E4FC-4797-A823-DF3E050F71D3}"/>
+              </a:ext>
+            </a:extLst>
+          </p:cNvPr>
+          <p:cNvSpPr>
+            <a:spLocks noGrp="1"/>
+          </p:cNvSpPr>
+          <p:nvPr>
+            <p:ph idx="1"/>
+          </p:nvPr>
+        </p:nvSpPr>
+        <p:spPr/>
+        <p:txBody>
+          <a:bodyPr/>
+          <a:lstStyle/>
+          <a:p>
+            <a:endParaRPr lang="en-SG"/>
+          </a:p>
+        </p:txBody>
+      </p:sp>
+    </p:spTree>
+    <p:extLst>
+      <p:ext uri="{BB962C8B-B14F-4D97-AF65-F5344CB8AC3E}">
+        <p14:creationId xmlns:p14="http://schemas.microsoft.com/office/powerpoint/2010/main" val="2867725885"/>
+      </p:ext>
+    </p:extLst>
+  </p:cSld>
+  <p:clrMapOvr>
+    <a:masterClrMapping/>
+  </p:clrMapOvr>
+</p:sld>
+</file>
+
+<file path=ppt/slides/slide23.xml><?xml version="1.0" encoding="utf-8"?>
+<p:sld xmlns:a="http://schemas.openxmlformats.org/drawingml/2006/main" xmlns:r="http://schemas.openxmlformats.org/officeDocument/2006/relationships" xmlns:p="http://schemas.openxmlformats.org/presentationml/2006/main">
+  <p:cSld>
+    <p:bg>
+      <p:bgPr>
+        <a:solidFill>
+          <a:schemeClr val="bg2"/>
+        </a:solidFill>
+        <a:effectLst/>
+      </p:bgPr>
+    </p:bg>
+    <p:spTree>
+      <p:nvGrpSpPr>
+        <p:cNvPr id="1" name=""/>
+        <p:cNvGrpSpPr/>
+        <p:nvPr/>
+      </p:nvGrpSpPr>
+      <p:grpSpPr>
+        <a:xfrm>
+          <a:off x="0" y="0"/>
+          <a:ext cx="0" cy="0"/>
+          <a:chOff x="0" y="0"/>
+          <a:chExt cx="0" cy="0"/>
+        </a:xfrm>
+      </p:grpSpPr>
+      <p:sp useBgFill="1">
+        <p:nvSpPr>
+          <p:cNvPr id="8" name="Rectangle 7">
+            <a:extLst>
+              <a:ext uri="{FF2B5EF4-FFF2-40B4-BE49-F238E27FC236}">
+                <a16:creationId xmlns:a16="http://schemas.microsoft.com/office/drawing/2014/main" id="{72526924-84D3-45FB-A5FE-62D8FCBF53B6}"/>
+              </a:ext>
+              <a:ext uri="{C183D7F6-B498-43B3-948B-1728B52AA6E4}">
+                <adec:decorative xmlns:adec="http://schemas.microsoft.com/office/drawing/2017/decorative" val="1"/>
+              </a:ext>
+            </a:extLst>
+          </p:cNvPr>
+          <p:cNvSpPr>
+            <a:spLocks noGrp="1" noRot="1" noChangeAspect="1" noMove="1" noResize="1" noEditPoints="1" noAdjustHandles="1" noChangeArrowheads="1" noChangeShapeType="1" noTextEdit="1"/>
+          </p:cNvSpPr>
+          <p:nvPr>
+            <p:extLst>
+              <p:ext uri="{386F3935-93C4-4BCD-93E2-E3B085C9AB24}">
+                <p16:designElem xmlns:p16="http://schemas.microsoft.com/office/powerpoint/2015/main" val="1"/>
+              </p:ext>
+            </p:extLst>
+          </p:nvPr>
+        </p:nvSpPr>
+        <p:spPr>
+          <a:xfrm>
+            <a:off x="0" y="0"/>
+            <a:ext cx="12192001" cy="6858000"/>
+          </a:xfrm>
+          <a:prstGeom prst="rect">
+            <a:avLst/>
+          </a:prstGeom>
+          <a:ln>
+            <a:noFill/>
+          </a:ln>
+        </p:spPr>
+        <p:style>
+          <a:lnRef idx="2">
+            <a:schemeClr val="accent1">
+              <a:shade val="50000"/>
+            </a:schemeClr>
+          </a:lnRef>
+          <a:fillRef idx="1">
+            <a:schemeClr val="accent1"/>
+          </a:fillRef>
+          <a:effectRef idx="0">
+            <a:schemeClr val="accent1"/>
+          </a:effectRef>
+          <a:fontRef idx="minor">
+            <a:schemeClr val="lt1"/>
+          </a:fontRef>
+        </p:style>
+        <p:txBody>
+          <a:bodyPr rtlCol="0" anchor="ctr"/>
+          <a:lstStyle/>
+          <a:p>
+            <a:pPr algn="ctr"/>
+            <a:endParaRPr lang="en-US"/>
+          </a:p>
+        </p:txBody>
+      </p:sp>
+      <p:sp>
+        <p:nvSpPr>
+          <p:cNvPr id="10" name="Rectangle 9">
+            <a:extLst>
+              <a:ext uri="{FF2B5EF4-FFF2-40B4-BE49-F238E27FC236}">
+                <a16:creationId xmlns:a16="http://schemas.microsoft.com/office/drawing/2014/main" id="{5C2A6256-1DD0-4E4B-A8B3-9A711B4DBE0C}"/>
+              </a:ext>
+              <a:ext uri="{C183D7F6-B498-43B3-948B-1728B52AA6E4}">
+                <adec:decorative xmlns:adec="http://schemas.microsoft.com/office/drawing/2017/decorative" val="1"/>
+              </a:ext>
+            </a:extLst>
+          </p:cNvPr>
+          <p:cNvSpPr>
+            <a:spLocks noGrp="1" noRot="1" noChangeAspect="1" noMove="1" noResize="1" noEditPoints="1" noAdjustHandles="1" noChangeArrowheads="1" noChangeShapeType="1" noTextEdit="1"/>
+          </p:cNvSpPr>
+          <p:nvPr>
+            <p:extLst>
+              <p:ext uri="{386F3935-93C4-4BCD-93E2-E3B085C9AB24}">
+                <p16:designElem xmlns:p16="http://schemas.microsoft.com/office/powerpoint/2015/main" val="1"/>
+              </p:ext>
+            </p:extLst>
+          </p:nvPr>
+        </p:nvSpPr>
+        <p:spPr>
+          <a:xfrm>
+            <a:off x="1038768" y="2130218"/>
+            <a:ext cx="11153231" cy="4727782"/>
+          </a:xfrm>
+          <a:prstGeom prst="rect">
+            <a:avLst/>
+          </a:prstGeom>
+          <a:solidFill>
+            <a:schemeClr val="bg1">
+              <a:alpha val="75000"/>
+            </a:schemeClr>
+          </a:solidFill>
+          <a:ln>
+            <a:noFill/>
+          </a:ln>
+        </p:spPr>
+        <p:style>
+          <a:lnRef idx="2">
+            <a:schemeClr val="accent1">
+              <a:shade val="50000"/>
+            </a:schemeClr>
+          </a:lnRef>
+          <a:fillRef idx="1">
+            <a:schemeClr val="accent1"/>
+          </a:fillRef>
+          <a:effectRef idx="0">
+            <a:schemeClr val="accent1"/>
+          </a:effectRef>
+          <a:fontRef idx="minor">
+            <a:schemeClr val="lt1"/>
+          </a:fontRef>
+        </p:style>
+        <p:txBody>
+          <a:bodyPr rtlCol="0" anchor="ctr"/>
+          <a:lstStyle/>
+          <a:p>
+            <a:pPr algn="ctr"/>
+            <a:endParaRPr lang="en-US"/>
+          </a:p>
+        </p:txBody>
+      </p:sp>
+      <p:sp>
+        <p:nvSpPr>
+          <p:cNvPr id="12" name="Rectangle 11">
+            <a:extLst>
+              <a:ext uri="{FF2B5EF4-FFF2-40B4-BE49-F238E27FC236}">
+                <a16:creationId xmlns:a16="http://schemas.microsoft.com/office/drawing/2014/main" id="{41760540-185E-4652-BFD2-9B362EF3BC99}"/>
+              </a:ext>
+              <a:ext uri="{C183D7F6-B498-43B3-948B-1728B52AA6E4}">
+                <adec:decorative xmlns:adec="http://schemas.microsoft.com/office/drawing/2017/decorative" val="1"/>
+              </a:ext>
+            </a:extLst>
+          </p:cNvPr>
+          <p:cNvSpPr>
+            <a:spLocks noGrp="1" noRot="1" noChangeAspect="1" noMove="1" noResize="1" noEditPoints="1" noAdjustHandles="1" noChangeArrowheads="1" noChangeShapeType="1" noTextEdit="1"/>
+          </p:cNvSpPr>
+          <p:nvPr>
+            <p:extLst>
+              <p:ext uri="{386F3935-93C4-4BCD-93E2-E3B085C9AB24}">
+                <p16:designElem xmlns:p16="http://schemas.microsoft.com/office/powerpoint/2015/main" val="1"/>
+              </p:ext>
+            </p:extLst>
+          </p:nvPr>
+        </p:nvSpPr>
+        <p:spPr>
+          <a:xfrm>
+            <a:off x="0" y="896641"/>
+            <a:ext cx="12192000" cy="1347716"/>
+          </a:xfrm>
+          <a:prstGeom prst="rect">
+            <a:avLst/>
+          </a:prstGeom>
+          <a:solidFill>
+            <a:schemeClr val="tx2"/>
+          </a:solidFill>
+          <a:ln>
+            <a:noFill/>
+          </a:ln>
+        </p:spPr>
+        <p:style>
+          <a:lnRef idx="2">
+            <a:schemeClr val="accent1">
+              <a:shade val="50000"/>
+            </a:schemeClr>
+          </a:lnRef>
+          <a:fillRef idx="1">
+            <a:schemeClr val="accent1"/>
+          </a:fillRef>
+          <a:effectRef idx="0">
+            <a:schemeClr val="accent1"/>
+          </a:effectRef>
+          <a:fontRef idx="minor">
+            <a:schemeClr val="lt1"/>
+          </a:fontRef>
+        </p:style>
+        <p:txBody>
+          <a:bodyPr rtlCol="0" anchor="ctr"/>
+          <a:lstStyle/>
+          <a:p>
+            <a:pPr algn="ctr"/>
+            <a:endParaRPr lang="en-US"/>
+          </a:p>
+        </p:txBody>
+      </p:sp>
+      <p:sp>
+        <p:nvSpPr>
+          <p:cNvPr id="2" name="Title 1">
+            <a:extLst>
+              <a:ext uri="{FF2B5EF4-FFF2-40B4-BE49-F238E27FC236}">
+                <a16:creationId xmlns:a16="http://schemas.microsoft.com/office/drawing/2014/main" id="{ABE70A7F-97BF-45FF-B010-81F39354616F}"/>
+              </a:ext>
+            </a:extLst>
+          </p:cNvPr>
+          <p:cNvSpPr>
+            <a:spLocks noGrp="1"/>
+          </p:cNvSpPr>
+          <p:nvPr>
+            <p:ph type="title"/>
+          </p:nvPr>
+        </p:nvSpPr>
+        <p:spPr>
+          <a:xfrm>
+            <a:off x="1535371" y="1044054"/>
+            <a:ext cx="10013709" cy="1030360"/>
+          </a:xfrm>
+        </p:spPr>
+        <p:txBody>
+          <a:bodyPr>
+            <a:normAutofit/>
+          </a:bodyPr>
+          <a:lstStyle/>
+          <a:p>
+            <a:r>
+              <a:rPr lang="en-US" dirty="0">
+                <a:solidFill>
+                  <a:schemeClr val="bg1"/>
+                </a:solidFill>
+              </a:rPr>
+              <a:t>Excel</a:t>
+            </a:r>
+            <a:endParaRPr lang="en-SG" dirty="0">
+              <a:solidFill>
+                <a:schemeClr val="bg1"/>
+              </a:solidFill>
+            </a:endParaRPr>
+          </a:p>
+        </p:txBody>
+      </p:sp>
+      <p:sp>
+        <p:nvSpPr>
+          <p:cNvPr id="14" name="Rectangle 13">
+            <a:extLst>
+              <a:ext uri="{FF2B5EF4-FFF2-40B4-BE49-F238E27FC236}">
+                <a16:creationId xmlns:a16="http://schemas.microsoft.com/office/drawing/2014/main" id="{729789F4-85C1-41A0-83EB-992E22210CB9}"/>
+              </a:ext>
+              <a:ext uri="{C183D7F6-B498-43B3-948B-1728B52AA6E4}">
+                <adec:decorative xmlns:adec="http://schemas.microsoft.com/office/drawing/2017/decorative" val="1"/>
+              </a:ext>
+            </a:extLst>
+          </p:cNvPr>
+          <p:cNvSpPr>
+            <a:spLocks noGrp="1" noRot="1" noChangeAspect="1" noMove="1" noResize="1" noEditPoints="1" noAdjustHandles="1" noChangeArrowheads="1" noChangeShapeType="1" noTextEdit="1"/>
+          </p:cNvSpPr>
+          <p:nvPr>
+            <p:extLst>
+              <p:ext uri="{386F3935-93C4-4BCD-93E2-E3B085C9AB24}">
+                <p16:designElem xmlns:p16="http://schemas.microsoft.com/office/powerpoint/2015/main" val="1"/>
+              </p:ext>
+            </p:extLst>
+          </p:nvPr>
+        </p:nvSpPr>
+        <p:spPr>
+          <a:xfrm>
+            <a:off x="-1" y="962423"/>
+            <a:ext cx="1006766" cy="1216152"/>
+          </a:xfrm>
+          <a:prstGeom prst="rect">
+            <a:avLst/>
+          </a:prstGeom>
+          <a:solidFill>
+            <a:schemeClr val="accent1"/>
+          </a:solidFill>
+          <a:ln>
+            <a:noFill/>
+          </a:ln>
+        </p:spPr>
+        <p:style>
+          <a:lnRef idx="2">
+            <a:schemeClr val="accent1">
+              <a:shade val="50000"/>
+            </a:schemeClr>
+          </a:lnRef>
+          <a:fillRef idx="1">
+            <a:schemeClr val="accent1"/>
+          </a:fillRef>
+          <a:effectRef idx="0">
+            <a:schemeClr val="accent1"/>
+          </a:effectRef>
+          <a:fontRef idx="minor">
+            <a:schemeClr val="lt1"/>
+          </a:fontRef>
+        </p:style>
+        <p:txBody>
+          <a:bodyPr rtlCol="0" anchor="ctr"/>
+          <a:lstStyle/>
+          <a:p>
+            <a:pPr algn="ctr"/>
+            <a:endParaRPr lang="en-US"/>
+          </a:p>
+        </p:txBody>
+      </p:sp>
+      <p:sp>
+        <p:nvSpPr>
+          <p:cNvPr id="16" name="Rectangle 15">
+            <a:extLst>
+              <a:ext uri="{FF2B5EF4-FFF2-40B4-BE49-F238E27FC236}">
+                <a16:creationId xmlns:a16="http://schemas.microsoft.com/office/drawing/2014/main" id="{9D9D367D-6DD2-4A7C-8918-0DCAC297559A}"/>
+              </a:ext>
+              <a:ext uri="{C183D7F6-B498-43B3-948B-1728B52AA6E4}">
+                <adec:decorative xmlns:adec="http://schemas.microsoft.com/office/drawing/2017/decorative" val="1"/>
+              </a:ext>
+            </a:extLst>
+          </p:cNvPr>
+          <p:cNvSpPr>
+            <a:spLocks noGrp="1" noRot="1" noChangeAspect="1" noMove="1" noResize="1" noEditPoints="1" noAdjustHandles="1" noChangeArrowheads="1" noChangeShapeType="1" noTextEdit="1"/>
+          </p:cNvSpPr>
+          <p:nvPr>
+            <p:extLst>
+              <p:ext uri="{386F3935-93C4-4BCD-93E2-E3B085C9AB24}">
+                <p16:designElem xmlns:p16="http://schemas.microsoft.com/office/powerpoint/2015/main" val="1"/>
+              </p:ext>
+            </p:extLst>
+          </p:nvPr>
+        </p:nvSpPr>
+        <p:spPr>
+          <a:xfrm rot="5400000">
+            <a:off x="-2390232" y="3396997"/>
+            <a:ext cx="6858002" cy="64008"/>
+          </a:xfrm>
+          <a:prstGeom prst="rect">
+            <a:avLst/>
+          </a:prstGeom>
+          <a:solidFill>
+            <a:schemeClr val="tx2"/>
+          </a:solidFill>
+          <a:ln>
+            <a:noFill/>
+          </a:ln>
+        </p:spPr>
+        <p:style>
+          <a:lnRef idx="2">
+            <a:schemeClr val="accent1">
+              <a:shade val="50000"/>
+            </a:schemeClr>
+          </a:lnRef>
+          <a:fillRef idx="1">
+            <a:schemeClr val="accent1"/>
+          </a:fillRef>
+          <a:effectRef idx="0">
+            <a:schemeClr val="accent1"/>
+          </a:effectRef>
+          <a:fontRef idx="minor">
+            <a:schemeClr val="lt1"/>
+          </a:fontRef>
+        </p:style>
+        <p:txBody>
+          <a:bodyPr rtlCol="0" anchor="ctr"/>
+          <a:lstStyle/>
+          <a:p>
+            <a:pPr algn="ctr"/>
+            <a:endParaRPr lang="en-US"/>
+          </a:p>
+        </p:txBody>
+      </p:sp>
+      <p:sp>
+        <p:nvSpPr>
+          <p:cNvPr id="4" name="Content Placeholder 3">
+            <a:extLst>
+              <a:ext uri="{FF2B5EF4-FFF2-40B4-BE49-F238E27FC236}">
+                <a16:creationId xmlns:a16="http://schemas.microsoft.com/office/drawing/2014/main" id="{6AA83A3C-E4FC-4797-A823-DF3E050F71D3}"/>
+              </a:ext>
+            </a:extLst>
+          </p:cNvPr>
+          <p:cNvSpPr>
+            <a:spLocks noGrp="1"/>
+          </p:cNvSpPr>
+          <p:nvPr>
+            <p:ph idx="1"/>
+          </p:nvPr>
+        </p:nvSpPr>
+        <p:spPr/>
+        <p:txBody>
+          <a:bodyPr/>
+          <a:lstStyle/>
+          <a:p>
+            <a:endParaRPr lang="en-SG"/>
+          </a:p>
+        </p:txBody>
+      </p:sp>
+    </p:spTree>
+    <p:extLst>
+      <p:ext uri="{BB962C8B-B14F-4D97-AF65-F5344CB8AC3E}">
+        <p14:creationId xmlns:p14="http://schemas.microsoft.com/office/powerpoint/2010/main" val="4103674115"/>
+      </p:ext>
+    </p:extLst>
+  </p:cSld>
+  <p:clrMapOvr>
+    <a:masterClrMapping/>
+  </p:clrMapOvr>
+</p:sld>
+</file>
+
+<file path=ppt/slides/slide24.xml><?xml version="1.0" encoding="utf-8"?>
+<p:sld xmlns:a="http://schemas.openxmlformats.org/drawingml/2006/main" xmlns:r="http://schemas.openxmlformats.org/officeDocument/2006/relationships" xmlns:p="http://schemas.openxmlformats.org/presentationml/2006/main">
+  <p:cSld>
+    <p:bg>
+      <p:bgPr>
+        <a:solidFill>
+          <a:schemeClr val="bg2"/>
+        </a:solidFill>
+        <a:effectLst/>
+      </p:bgPr>
+    </p:bg>
+    <p:spTree>
+      <p:nvGrpSpPr>
+        <p:cNvPr id="1" name=""/>
+        <p:cNvGrpSpPr/>
+        <p:nvPr/>
+      </p:nvGrpSpPr>
+      <p:grpSpPr>
+        <a:xfrm>
+          <a:off x="0" y="0"/>
+          <a:ext cx="0" cy="0"/>
+          <a:chOff x="0" y="0"/>
+          <a:chExt cx="0" cy="0"/>
+        </a:xfrm>
+      </p:grpSpPr>
+      <p:sp useBgFill="1">
+        <p:nvSpPr>
+          <p:cNvPr id="8" name="Rectangle 7">
+            <a:extLst>
+              <a:ext uri="{FF2B5EF4-FFF2-40B4-BE49-F238E27FC236}">
+                <a16:creationId xmlns:a16="http://schemas.microsoft.com/office/drawing/2014/main" id="{72526924-84D3-45FB-A5FE-62D8FCBF53B6}"/>
+              </a:ext>
+              <a:ext uri="{C183D7F6-B498-43B3-948B-1728B52AA6E4}">
+                <adec:decorative xmlns:adec="http://schemas.microsoft.com/office/drawing/2017/decorative" val="1"/>
+              </a:ext>
+            </a:extLst>
+          </p:cNvPr>
+          <p:cNvSpPr>
+            <a:spLocks noGrp="1" noRot="1" noChangeAspect="1" noMove="1" noResize="1" noEditPoints="1" noAdjustHandles="1" noChangeArrowheads="1" noChangeShapeType="1" noTextEdit="1"/>
+          </p:cNvSpPr>
+          <p:nvPr>
+            <p:extLst>
+              <p:ext uri="{386F3935-93C4-4BCD-93E2-E3B085C9AB24}">
+                <p16:designElem xmlns:p16="http://schemas.microsoft.com/office/powerpoint/2015/main" val="1"/>
+              </p:ext>
+            </p:extLst>
+          </p:nvPr>
+        </p:nvSpPr>
+        <p:spPr>
+          <a:xfrm>
+            <a:off x="0" y="0"/>
+            <a:ext cx="12192001" cy="6858000"/>
+          </a:xfrm>
+          <a:prstGeom prst="rect">
+            <a:avLst/>
+          </a:prstGeom>
+          <a:ln>
+            <a:noFill/>
+          </a:ln>
+        </p:spPr>
+        <p:style>
+          <a:lnRef idx="2">
+            <a:schemeClr val="accent1">
+              <a:shade val="50000"/>
+            </a:schemeClr>
+          </a:lnRef>
+          <a:fillRef idx="1">
+            <a:schemeClr val="accent1"/>
+          </a:fillRef>
+          <a:effectRef idx="0">
+            <a:schemeClr val="accent1"/>
+          </a:effectRef>
+          <a:fontRef idx="minor">
+            <a:schemeClr val="lt1"/>
+          </a:fontRef>
+        </p:style>
+        <p:txBody>
+          <a:bodyPr rtlCol="0" anchor="ctr"/>
+          <a:lstStyle/>
+          <a:p>
+            <a:pPr algn="ctr"/>
+            <a:endParaRPr lang="en-US"/>
+          </a:p>
+        </p:txBody>
+      </p:sp>
+      <p:sp>
+        <p:nvSpPr>
+          <p:cNvPr id="10" name="Rectangle 9">
+            <a:extLst>
+              <a:ext uri="{FF2B5EF4-FFF2-40B4-BE49-F238E27FC236}">
+                <a16:creationId xmlns:a16="http://schemas.microsoft.com/office/drawing/2014/main" id="{5C2A6256-1DD0-4E4B-A8B3-9A711B4DBE0C}"/>
+              </a:ext>
+              <a:ext uri="{C183D7F6-B498-43B3-948B-1728B52AA6E4}">
+                <adec:decorative xmlns:adec="http://schemas.microsoft.com/office/drawing/2017/decorative" val="1"/>
+              </a:ext>
+            </a:extLst>
+          </p:cNvPr>
+          <p:cNvSpPr>
+            <a:spLocks noGrp="1" noRot="1" noChangeAspect="1" noMove="1" noResize="1" noEditPoints="1" noAdjustHandles="1" noChangeArrowheads="1" noChangeShapeType="1" noTextEdit="1"/>
+          </p:cNvSpPr>
+          <p:nvPr>
+            <p:extLst>
+              <p:ext uri="{386F3935-93C4-4BCD-93E2-E3B085C9AB24}">
+                <p16:designElem xmlns:p16="http://schemas.microsoft.com/office/powerpoint/2015/main" val="1"/>
+              </p:ext>
+            </p:extLst>
+          </p:nvPr>
+        </p:nvSpPr>
+        <p:spPr>
+          <a:xfrm>
+            <a:off x="1038768" y="2130218"/>
+            <a:ext cx="11153231" cy="4727782"/>
+          </a:xfrm>
+          <a:prstGeom prst="rect">
+            <a:avLst/>
+          </a:prstGeom>
+          <a:solidFill>
+            <a:schemeClr val="bg1">
+              <a:alpha val="75000"/>
+            </a:schemeClr>
+          </a:solidFill>
+          <a:ln>
+            <a:noFill/>
+          </a:ln>
+        </p:spPr>
+        <p:style>
+          <a:lnRef idx="2">
+            <a:schemeClr val="accent1">
+              <a:shade val="50000"/>
+            </a:schemeClr>
+          </a:lnRef>
+          <a:fillRef idx="1">
+            <a:schemeClr val="accent1"/>
+          </a:fillRef>
+          <a:effectRef idx="0">
+            <a:schemeClr val="accent1"/>
+          </a:effectRef>
+          <a:fontRef idx="minor">
+            <a:schemeClr val="lt1"/>
+          </a:fontRef>
+        </p:style>
+        <p:txBody>
+          <a:bodyPr rtlCol="0" anchor="ctr"/>
+          <a:lstStyle/>
+          <a:p>
+            <a:pPr algn="ctr"/>
+            <a:endParaRPr lang="en-US"/>
+          </a:p>
+        </p:txBody>
+      </p:sp>
+      <p:sp>
+        <p:nvSpPr>
+          <p:cNvPr id="12" name="Rectangle 11">
+            <a:extLst>
+              <a:ext uri="{FF2B5EF4-FFF2-40B4-BE49-F238E27FC236}">
+                <a16:creationId xmlns:a16="http://schemas.microsoft.com/office/drawing/2014/main" id="{41760540-185E-4652-BFD2-9B362EF3BC99}"/>
+              </a:ext>
+              <a:ext uri="{C183D7F6-B498-43B3-948B-1728B52AA6E4}">
+                <adec:decorative xmlns:adec="http://schemas.microsoft.com/office/drawing/2017/decorative" val="1"/>
+              </a:ext>
+            </a:extLst>
+          </p:cNvPr>
+          <p:cNvSpPr>
+            <a:spLocks noGrp="1" noRot="1" noChangeAspect="1" noMove="1" noResize="1" noEditPoints="1" noAdjustHandles="1" noChangeArrowheads="1" noChangeShapeType="1" noTextEdit="1"/>
+          </p:cNvSpPr>
+          <p:nvPr>
+            <p:extLst>
+              <p:ext uri="{386F3935-93C4-4BCD-93E2-E3B085C9AB24}">
+                <p16:designElem xmlns:p16="http://schemas.microsoft.com/office/powerpoint/2015/main" val="1"/>
+              </p:ext>
+            </p:extLst>
+          </p:nvPr>
+        </p:nvSpPr>
+        <p:spPr>
+          <a:xfrm>
+            <a:off x="0" y="896641"/>
+            <a:ext cx="12192000" cy="1347716"/>
+          </a:xfrm>
+          <a:prstGeom prst="rect">
+            <a:avLst/>
+          </a:prstGeom>
+          <a:solidFill>
+            <a:schemeClr val="tx2"/>
+          </a:solidFill>
+          <a:ln>
+            <a:noFill/>
+          </a:ln>
+        </p:spPr>
+        <p:style>
+          <a:lnRef idx="2">
+            <a:schemeClr val="accent1">
+              <a:shade val="50000"/>
+            </a:schemeClr>
+          </a:lnRef>
+          <a:fillRef idx="1">
+            <a:schemeClr val="accent1"/>
+          </a:fillRef>
+          <a:effectRef idx="0">
+            <a:schemeClr val="accent1"/>
+          </a:effectRef>
+          <a:fontRef idx="minor">
+            <a:schemeClr val="lt1"/>
+          </a:fontRef>
+        </p:style>
+        <p:txBody>
+          <a:bodyPr rtlCol="0" anchor="ctr"/>
+          <a:lstStyle/>
+          <a:p>
+            <a:pPr algn="ctr"/>
+            <a:endParaRPr lang="en-US"/>
+          </a:p>
+        </p:txBody>
+      </p:sp>
+      <p:sp>
+        <p:nvSpPr>
+          <p:cNvPr id="2" name="Title 1">
+            <a:extLst>
+              <a:ext uri="{FF2B5EF4-FFF2-40B4-BE49-F238E27FC236}">
+                <a16:creationId xmlns:a16="http://schemas.microsoft.com/office/drawing/2014/main" id="{ABE70A7F-97BF-45FF-B010-81F39354616F}"/>
+              </a:ext>
+            </a:extLst>
+          </p:cNvPr>
+          <p:cNvSpPr>
+            <a:spLocks noGrp="1"/>
+          </p:cNvSpPr>
+          <p:nvPr>
+            <p:ph type="title"/>
+          </p:nvPr>
+        </p:nvSpPr>
+        <p:spPr>
+          <a:xfrm>
+            <a:off x="1535371" y="1044054"/>
+            <a:ext cx="10013709" cy="1030360"/>
+          </a:xfrm>
+        </p:spPr>
+        <p:txBody>
+          <a:bodyPr>
+            <a:normAutofit/>
+          </a:bodyPr>
+          <a:lstStyle/>
+          <a:p>
+            <a:r>
+              <a:rPr lang="en-US" dirty="0">
+                <a:solidFill>
+                  <a:schemeClr val="bg1"/>
+                </a:solidFill>
+              </a:rPr>
+              <a:t>JSON</a:t>
+            </a:r>
+            <a:endParaRPr lang="en-SG" dirty="0">
+              <a:solidFill>
+                <a:schemeClr val="bg1"/>
+              </a:solidFill>
+            </a:endParaRPr>
+          </a:p>
+        </p:txBody>
+      </p:sp>
+      <p:sp>
+        <p:nvSpPr>
+          <p:cNvPr id="14" name="Rectangle 13">
+            <a:extLst>
+              <a:ext uri="{FF2B5EF4-FFF2-40B4-BE49-F238E27FC236}">
+                <a16:creationId xmlns:a16="http://schemas.microsoft.com/office/drawing/2014/main" id="{729789F4-85C1-41A0-83EB-992E22210CB9}"/>
+              </a:ext>
+              <a:ext uri="{C183D7F6-B498-43B3-948B-1728B52AA6E4}">
+                <adec:decorative xmlns:adec="http://schemas.microsoft.com/office/drawing/2017/decorative" val="1"/>
+              </a:ext>
+            </a:extLst>
+          </p:cNvPr>
+          <p:cNvSpPr>
+            <a:spLocks noGrp="1" noRot="1" noChangeAspect="1" noMove="1" noResize="1" noEditPoints="1" noAdjustHandles="1" noChangeArrowheads="1" noChangeShapeType="1" noTextEdit="1"/>
+          </p:cNvSpPr>
+          <p:nvPr>
+            <p:extLst>
+              <p:ext uri="{386F3935-93C4-4BCD-93E2-E3B085C9AB24}">
+                <p16:designElem xmlns:p16="http://schemas.microsoft.com/office/powerpoint/2015/main" val="1"/>
+              </p:ext>
+            </p:extLst>
+          </p:nvPr>
+        </p:nvSpPr>
+        <p:spPr>
+          <a:xfrm>
+            <a:off x="-1" y="962423"/>
+            <a:ext cx="1006766" cy="1216152"/>
+          </a:xfrm>
+          <a:prstGeom prst="rect">
+            <a:avLst/>
+          </a:prstGeom>
+          <a:solidFill>
+            <a:schemeClr val="accent1"/>
+          </a:solidFill>
+          <a:ln>
+            <a:noFill/>
+          </a:ln>
+        </p:spPr>
+        <p:style>
+          <a:lnRef idx="2">
+            <a:schemeClr val="accent1">
+              <a:shade val="50000"/>
+            </a:schemeClr>
+          </a:lnRef>
+          <a:fillRef idx="1">
+            <a:schemeClr val="accent1"/>
+          </a:fillRef>
+          <a:effectRef idx="0">
+            <a:schemeClr val="accent1"/>
+          </a:effectRef>
+          <a:fontRef idx="minor">
+            <a:schemeClr val="lt1"/>
+          </a:fontRef>
+        </p:style>
+        <p:txBody>
+          <a:bodyPr rtlCol="0" anchor="ctr"/>
+          <a:lstStyle/>
+          <a:p>
+            <a:pPr algn="ctr"/>
+            <a:endParaRPr lang="en-US"/>
+          </a:p>
+        </p:txBody>
+      </p:sp>
+      <p:sp>
+        <p:nvSpPr>
+          <p:cNvPr id="16" name="Rectangle 15">
+            <a:extLst>
+              <a:ext uri="{FF2B5EF4-FFF2-40B4-BE49-F238E27FC236}">
+                <a16:creationId xmlns:a16="http://schemas.microsoft.com/office/drawing/2014/main" id="{9D9D367D-6DD2-4A7C-8918-0DCAC297559A}"/>
+              </a:ext>
+              <a:ext uri="{C183D7F6-B498-43B3-948B-1728B52AA6E4}">
+                <adec:decorative xmlns:adec="http://schemas.microsoft.com/office/drawing/2017/decorative" val="1"/>
+              </a:ext>
+            </a:extLst>
+          </p:cNvPr>
+          <p:cNvSpPr>
+            <a:spLocks noGrp="1" noRot="1" noChangeAspect="1" noMove="1" noResize="1" noEditPoints="1" noAdjustHandles="1" noChangeArrowheads="1" noChangeShapeType="1" noTextEdit="1"/>
+          </p:cNvSpPr>
+          <p:nvPr>
+            <p:extLst>
+              <p:ext uri="{386F3935-93C4-4BCD-93E2-E3B085C9AB24}">
+                <p16:designElem xmlns:p16="http://schemas.microsoft.com/office/powerpoint/2015/main" val="1"/>
+              </p:ext>
+            </p:extLst>
+          </p:nvPr>
+        </p:nvSpPr>
+        <p:spPr>
+          <a:xfrm rot="5400000">
+            <a:off x="-2390232" y="3396997"/>
+            <a:ext cx="6858002" cy="64008"/>
+          </a:xfrm>
+          <a:prstGeom prst="rect">
+            <a:avLst/>
+          </a:prstGeom>
+          <a:solidFill>
+            <a:schemeClr val="tx2"/>
+          </a:solidFill>
+          <a:ln>
+            <a:noFill/>
+          </a:ln>
+        </p:spPr>
+        <p:style>
+          <a:lnRef idx="2">
+            <a:schemeClr val="accent1">
+              <a:shade val="50000"/>
+            </a:schemeClr>
+          </a:lnRef>
+          <a:fillRef idx="1">
+            <a:schemeClr val="accent1"/>
+          </a:fillRef>
+          <a:effectRef idx="0">
+            <a:schemeClr val="accent1"/>
+          </a:effectRef>
+          <a:fontRef idx="minor">
+            <a:schemeClr val="lt1"/>
+          </a:fontRef>
+        </p:style>
+        <p:txBody>
+          <a:bodyPr rtlCol="0" anchor="ctr"/>
+          <a:lstStyle/>
+          <a:p>
+            <a:pPr algn="ctr"/>
+            <a:endParaRPr lang="en-US"/>
+          </a:p>
+        </p:txBody>
+      </p:sp>
+      <p:sp>
+        <p:nvSpPr>
+          <p:cNvPr id="4" name="Content Placeholder 3">
+            <a:extLst>
+              <a:ext uri="{FF2B5EF4-FFF2-40B4-BE49-F238E27FC236}">
+                <a16:creationId xmlns:a16="http://schemas.microsoft.com/office/drawing/2014/main" id="{6AA83A3C-E4FC-4797-A823-DF3E050F71D3}"/>
+              </a:ext>
+            </a:extLst>
+          </p:cNvPr>
+          <p:cNvSpPr>
+            <a:spLocks noGrp="1"/>
+          </p:cNvSpPr>
+          <p:nvPr>
+            <p:ph idx="1"/>
+          </p:nvPr>
+        </p:nvSpPr>
+        <p:spPr/>
+        <p:txBody>
+          <a:bodyPr/>
+          <a:lstStyle/>
+          <a:p>
+            <a:endParaRPr lang="en-SG"/>
+          </a:p>
+        </p:txBody>
+      </p:sp>
+    </p:spTree>
+    <p:extLst>
+      <p:ext uri="{BB962C8B-B14F-4D97-AF65-F5344CB8AC3E}">
+        <p14:creationId xmlns:p14="http://schemas.microsoft.com/office/powerpoint/2010/main" val="2282815025"/>
+      </p:ext>
+    </p:extLst>
+  </p:cSld>
+  <p:clrMapOvr>
+    <a:masterClrMapping/>
+  </p:clrMapOvr>
+</p:sld>
+</file>
+
+<file path=ppt/slides/slide25.xml><?xml version="1.0" encoding="utf-8"?>
+<p:sld xmlns:a="http://schemas.openxmlformats.org/drawingml/2006/main" xmlns:r="http://schemas.openxmlformats.org/officeDocument/2006/relationships" xmlns:p="http://schemas.openxmlformats.org/presentationml/2006/main">
+  <p:cSld>
+    <p:bg>
+      <p:bgPr>
+        <a:solidFill>
+          <a:schemeClr val="bg2"/>
+        </a:solidFill>
+        <a:effectLst/>
+      </p:bgPr>
+    </p:bg>
+    <p:spTree>
+      <p:nvGrpSpPr>
+        <p:cNvPr id="1" name=""/>
+        <p:cNvGrpSpPr/>
+        <p:nvPr/>
+      </p:nvGrpSpPr>
+      <p:grpSpPr>
+        <a:xfrm>
+          <a:off x="0" y="0"/>
+          <a:ext cx="0" cy="0"/>
+          <a:chOff x="0" y="0"/>
+          <a:chExt cx="0" cy="0"/>
+        </a:xfrm>
+      </p:grpSpPr>
       <p:sp>
         <p:nvSpPr>
           <p:cNvPr id="47" name="Rectangle 46">
@@ -10797,7 +12913,7 @@
           <a:p>
             <a:r>
               <a:rPr lang="en-US" b="0" dirty="0"/>
-              <a:t>There are total of 3 difficulty levels and each level consists of different safety procedure. Players are to click on a difficulty level and have to move around the map to locate the procedures and learn the correct method to prevent possible accidents from occurring. </a:t>
+              <a:t>There are total of 3 different safety procedure. Players have to move around the map to locate the procedures and learn the correct method to prevent possible accidents from occurring. </a:t>
             </a:r>
             <a:endParaRPr lang="en-SG" b="0" dirty="0"/>
           </a:p>

--- a/Slides/Summary Page.pptx
+++ b/Slides/Summary Page.pptx
@@ -5,7 +5,7 @@
     <p:sldMasterId id="2147483738" r:id="rId1"/>
   </p:sldMasterIdLst>
   <p:notesMasterIdLst>
-    <p:notesMasterId r:id="rId27"/>
+    <p:notesMasterId r:id="rId28"/>
   </p:notesMasterIdLst>
   <p:sldIdLst>
     <p:sldId id="256" r:id="rId2"/>
@@ -23,16 +23,17 @@
     <p:sldId id="261" r:id="rId14"/>
     <p:sldId id="271" r:id="rId15"/>
     <p:sldId id="267" r:id="rId16"/>
-    <p:sldId id="262" r:id="rId17"/>
-    <p:sldId id="268" r:id="rId18"/>
-    <p:sldId id="266" r:id="rId19"/>
-    <p:sldId id="269" r:id="rId20"/>
-    <p:sldId id="286" r:id="rId21"/>
-    <p:sldId id="290" r:id="rId22"/>
-    <p:sldId id="289" r:id="rId23"/>
+    <p:sldId id="292" r:id="rId17"/>
+    <p:sldId id="262" r:id="rId18"/>
+    <p:sldId id="268" r:id="rId19"/>
+    <p:sldId id="266" r:id="rId20"/>
+    <p:sldId id="291" r:id="rId21"/>
+    <p:sldId id="286" r:id="rId22"/>
+    <p:sldId id="290" r:id="rId23"/>
     <p:sldId id="287" r:id="rId24"/>
     <p:sldId id="288" r:id="rId25"/>
-    <p:sldId id="279" r:id="rId26"/>
+    <p:sldId id="289" r:id="rId26"/>
+    <p:sldId id="279" r:id="rId27"/>
   </p:sldIdLst>
   <p:sldSz cx="12192000" cy="6858000"/>
   <p:notesSz cx="6858000" cy="9144000"/>
@@ -221,7 +222,7 @@
           <a:p>
             <a:fld id="{E7DC856E-1B20-40A7-83C6-EC1816C3CD80}" type="datetimeFigureOut">
               <a:rPr lang="en-SG" smtClean="0"/>
-              <a:t>15/2/2021</a:t>
+              <a:t>18/2/2021</a:t>
             </a:fld>
             <a:endParaRPr lang="en-SG"/>
           </a:p>
@@ -640,6 +641,29 @@
           <a:bodyPr/>
           <a:lstStyle/>
           <a:p>
+            <a:pPr marL="0" marR="0" lvl="0" indent="0" algn="l" defTabSz="914400" rtl="0" eaLnBrk="1" fontAlgn="auto" latinLnBrk="0" hangingPunct="1">
+              <a:lnSpc>
+                <a:spcPct val="100000"/>
+              </a:lnSpc>
+              <a:spcBef>
+                <a:spcPts val="0"/>
+              </a:spcBef>
+              <a:spcAft>
+                <a:spcPts val="0"/>
+              </a:spcAft>
+              <a:buClrTx/>
+              <a:buSzTx/>
+              <a:buFontTx/>
+              <a:buNone/>
+              <a:tabLst/>
+              <a:defRPr/>
+            </a:pPr>
+            <a:r>
+              <a:rPr lang="en-SG" dirty="0"/>
+              <a:t>&lt;Describe using walkie talkie&gt;</a:t>
+            </a:r>
+          </a:p>
+          <a:p>
             <a:endParaRPr lang="en-SG" dirty="0"/>
           </a:p>
         </p:txBody>
@@ -661,7 +685,7 @@
           <a:p>
             <a:fld id="{C769CBDA-70F4-4896-8985-2EF2C460E1A5}" type="slidenum">
               <a:rPr lang="en-SG" smtClean="0"/>
-              <a:t>19</a:t>
+              <a:t>21</a:t>
             </a:fld>
             <a:endParaRPr lang="en-SG"/>
           </a:p>
@@ -670,7 +694,7 @@
     </p:spTree>
     <p:extLst>
       <p:ext uri="{BB962C8B-B14F-4D97-AF65-F5344CB8AC3E}">
-        <p14:creationId xmlns:p14="http://schemas.microsoft.com/office/powerpoint/2010/main" val="2324384874"/>
+        <p14:creationId xmlns:p14="http://schemas.microsoft.com/office/powerpoint/2010/main" val="231972148"/>
       </p:ext>
     </p:extLst>
   </p:cSld>
@@ -768,7 +792,7 @@
           <a:p>
             <a:fld id="{C769CBDA-70F4-4896-8985-2EF2C460E1A5}" type="slidenum">
               <a:rPr lang="en-SG" smtClean="0"/>
-              <a:t>20</a:t>
+              <a:t>22</a:t>
             </a:fld>
             <a:endParaRPr lang="en-SG"/>
           </a:p>
@@ -777,7 +801,7 @@
     </p:spTree>
     <p:extLst>
       <p:ext uri="{BB962C8B-B14F-4D97-AF65-F5344CB8AC3E}">
-        <p14:creationId xmlns:p14="http://schemas.microsoft.com/office/powerpoint/2010/main" val="231972148"/>
+        <p14:creationId xmlns:p14="http://schemas.microsoft.com/office/powerpoint/2010/main" val="3998449651"/>
       </p:ext>
     </p:extLst>
   </p:cSld>
@@ -875,7 +899,7 @@
           <a:p>
             <a:fld id="{C769CBDA-70F4-4896-8985-2EF2C460E1A5}" type="slidenum">
               <a:rPr lang="en-SG" smtClean="0"/>
-              <a:t>21</a:t>
+              <a:t>23</a:t>
             </a:fld>
             <a:endParaRPr lang="en-SG"/>
           </a:p>
@@ -884,7 +908,7 @@
     </p:spTree>
     <p:extLst>
       <p:ext uri="{BB962C8B-B14F-4D97-AF65-F5344CB8AC3E}">
-        <p14:creationId xmlns:p14="http://schemas.microsoft.com/office/powerpoint/2010/main" val="3998449651"/>
+        <p14:creationId xmlns:p14="http://schemas.microsoft.com/office/powerpoint/2010/main" val="2213824787"/>
       </p:ext>
     </p:extLst>
   </p:cSld>
@@ -982,7 +1006,7 @@
           <a:p>
             <a:fld id="{C769CBDA-70F4-4896-8985-2EF2C460E1A5}" type="slidenum">
               <a:rPr lang="en-SG" smtClean="0"/>
-              <a:t>22</a:t>
+              <a:t>24</a:t>
             </a:fld>
             <a:endParaRPr lang="en-SG"/>
           </a:p>
@@ -991,7 +1015,7 @@
     </p:spTree>
     <p:extLst>
       <p:ext uri="{BB962C8B-B14F-4D97-AF65-F5344CB8AC3E}">
-        <p14:creationId xmlns:p14="http://schemas.microsoft.com/office/powerpoint/2010/main" val="2256644553"/>
+        <p14:creationId xmlns:p14="http://schemas.microsoft.com/office/powerpoint/2010/main" val="1350775691"/>
       </p:ext>
     </p:extLst>
   </p:cSld>
@@ -1089,7 +1113,7 @@
           <a:p>
             <a:fld id="{C769CBDA-70F4-4896-8985-2EF2C460E1A5}" type="slidenum">
               <a:rPr lang="en-SG" smtClean="0"/>
-              <a:t>23</a:t>
+              <a:t>25</a:t>
             </a:fld>
             <a:endParaRPr lang="en-SG"/>
           </a:p>
@@ -1098,114 +1122,7 @@
     </p:spTree>
     <p:extLst>
       <p:ext uri="{BB962C8B-B14F-4D97-AF65-F5344CB8AC3E}">
-        <p14:creationId xmlns:p14="http://schemas.microsoft.com/office/powerpoint/2010/main" val="2213824787"/>
-      </p:ext>
-    </p:extLst>
-  </p:cSld>
-  <p:clrMapOvr>
-    <a:masterClrMapping/>
-  </p:clrMapOvr>
-</p:notes>
-</file>
-
-<file path=ppt/notesSlides/notesSlide7.xml><?xml version="1.0" encoding="utf-8"?>
-<p:notes xmlns:a="http://schemas.openxmlformats.org/drawingml/2006/main" xmlns:r="http://schemas.openxmlformats.org/officeDocument/2006/relationships" xmlns:p="http://schemas.openxmlformats.org/presentationml/2006/main">
-  <p:cSld>
-    <p:spTree>
-      <p:nvGrpSpPr>
-        <p:cNvPr id="1" name=""/>
-        <p:cNvGrpSpPr/>
-        <p:nvPr/>
-      </p:nvGrpSpPr>
-      <p:grpSpPr>
-        <a:xfrm>
-          <a:off x="0" y="0"/>
-          <a:ext cx="0" cy="0"/>
-          <a:chOff x="0" y="0"/>
-          <a:chExt cx="0" cy="0"/>
-        </a:xfrm>
-      </p:grpSpPr>
-      <p:sp>
-        <p:nvSpPr>
-          <p:cNvPr id="2" name="Slide Image Placeholder 1"/>
-          <p:cNvSpPr>
-            <a:spLocks noGrp="1" noRot="1" noChangeAspect="1"/>
-          </p:cNvSpPr>
-          <p:nvPr>
-            <p:ph type="sldImg"/>
-          </p:nvPr>
-        </p:nvSpPr>
-        <p:spPr/>
-      </p:sp>
-      <p:sp>
-        <p:nvSpPr>
-          <p:cNvPr id="3" name="Notes Placeholder 2"/>
-          <p:cNvSpPr>
-            <a:spLocks noGrp="1"/>
-          </p:cNvSpPr>
-          <p:nvPr>
-            <p:ph type="body" idx="1"/>
-          </p:nvPr>
-        </p:nvSpPr>
-        <p:spPr/>
-        <p:txBody>
-          <a:bodyPr/>
-          <a:lstStyle/>
-          <a:p>
-            <a:pPr marL="0" marR="0" lvl="0" indent="0" algn="l" defTabSz="914400" rtl="0" eaLnBrk="1" fontAlgn="auto" latinLnBrk="0" hangingPunct="1">
-              <a:lnSpc>
-                <a:spcPct val="100000"/>
-              </a:lnSpc>
-              <a:spcBef>
-                <a:spcPts val="0"/>
-              </a:spcBef>
-              <a:spcAft>
-                <a:spcPts val="0"/>
-              </a:spcAft>
-              <a:buClrTx/>
-              <a:buSzTx/>
-              <a:buFontTx/>
-              <a:buNone/>
-              <a:tabLst/>
-              <a:defRPr/>
-            </a:pPr>
-            <a:r>
-              <a:rPr lang="en-SG" dirty="0"/>
-              <a:t>&lt;Describe using walkie talkie&gt;</a:t>
-            </a:r>
-          </a:p>
-          <a:p>
-            <a:endParaRPr lang="en-SG" dirty="0"/>
-          </a:p>
-        </p:txBody>
-      </p:sp>
-      <p:sp>
-        <p:nvSpPr>
-          <p:cNvPr id="4" name="Slide Number Placeholder 3"/>
-          <p:cNvSpPr>
-            <a:spLocks noGrp="1"/>
-          </p:cNvSpPr>
-          <p:nvPr>
-            <p:ph type="sldNum" sz="quarter" idx="5"/>
-          </p:nvPr>
-        </p:nvSpPr>
-        <p:spPr/>
-        <p:txBody>
-          <a:bodyPr/>
-          <a:lstStyle/>
-          <a:p>
-            <a:fld id="{C769CBDA-70F4-4896-8985-2EF2C460E1A5}" type="slidenum">
-              <a:rPr lang="en-SG" smtClean="0"/>
-              <a:t>24</a:t>
-            </a:fld>
-            <a:endParaRPr lang="en-SG"/>
-          </a:p>
-        </p:txBody>
-      </p:sp>
-    </p:spTree>
-    <p:extLst>
-      <p:ext uri="{BB962C8B-B14F-4D97-AF65-F5344CB8AC3E}">
-        <p14:creationId xmlns:p14="http://schemas.microsoft.com/office/powerpoint/2010/main" val="1350775691"/>
+        <p14:creationId xmlns:p14="http://schemas.microsoft.com/office/powerpoint/2010/main" val="2256644553"/>
       </p:ext>
     </p:extLst>
   </p:cSld>
@@ -1543,7 +1460,7 @@
             <a:pPr algn="l"/>
             <a:fld id="{0DCFB061-4267-4D9F-8017-6F550D3068DF}" type="datetime1">
               <a:rPr lang="en-US" smtClean="0"/>
-              <a:t>2/15/2021</a:t>
+              <a:t>2/18/2021</a:t>
             </a:fld>
             <a:endParaRPr lang="en-US" dirty="0"/>
           </a:p>
@@ -1736,7 +1653,7 @@
           <a:p>
             <a:fld id="{8141BC61-5547-4A60-8DA1-6699760D9972}" type="datetime1">
               <a:rPr lang="en-US" smtClean="0"/>
-              <a:t>2/15/2021</a:t>
+              <a:t>2/18/2021</a:t>
             </a:fld>
             <a:endParaRPr lang="en-US" dirty="0"/>
           </a:p>
@@ -1921,7 +1838,7 @@
           <a:p>
             <a:fld id="{24B9D1C6-60D0-4CD1-8F31-F912522EB041}" type="datetime1">
               <a:rPr lang="en-US" smtClean="0"/>
-              <a:t>2/15/2021</a:t>
+              <a:t>2/18/2021</a:t>
             </a:fld>
             <a:endParaRPr lang="en-US" dirty="0"/>
           </a:p>
@@ -2150,7 +2067,7 @@
           <a:p>
             <a:fld id="{47A4ED5C-5A53-433E-8A55-46F54CE81DA5}" type="datetime1">
               <a:rPr lang="en-US" smtClean="0"/>
-              <a:t>2/15/2021</a:t>
+              <a:t>2/18/2021</a:t>
             </a:fld>
             <a:endParaRPr lang="en-US" dirty="0"/>
           </a:p>
@@ -2477,7 +2394,7 @@
           <a:p>
             <a:fld id="{29CABC0C-B6DF-45E9-B954-11C99AA62C3E}" type="datetime1">
               <a:rPr lang="en-US" smtClean="0"/>
-              <a:t>2/15/2021</a:t>
+              <a:t>2/18/2021</a:t>
             </a:fld>
             <a:endParaRPr lang="en-US" dirty="0"/>
           </a:p>
@@ -2773,7 +2690,7 @@
           <a:p>
             <a:fld id="{A4AB71B9-2624-4F21-93EE-35A78B1A0DAD}" type="datetime1">
               <a:rPr lang="en-US" smtClean="0"/>
-              <a:t>2/15/2021</a:t>
+              <a:t>2/18/2021</a:t>
             </a:fld>
             <a:endParaRPr lang="en-US" dirty="0"/>
           </a:p>
@@ -3194,7 +3111,7 @@
           <a:p>
             <a:fld id="{36D37C2A-BE2E-4840-A907-3254E2916C96}" type="datetime1">
               <a:rPr lang="en-US" smtClean="0"/>
-              <a:t>2/15/2021</a:t>
+              <a:t>2/18/2021</a:t>
             </a:fld>
             <a:endParaRPr lang="en-US" dirty="0"/>
           </a:p>
@@ -3392,7 +3309,7 @@
           <a:p>
             <a:fld id="{005CD215-1C45-48A0-8534-39FFE8A7C95A}" type="datetime1">
               <a:rPr lang="en-US" smtClean="0"/>
-              <a:t>2/15/2021</a:t>
+              <a:t>2/18/2021</a:t>
             </a:fld>
             <a:endParaRPr lang="en-US" dirty="0"/>
           </a:p>
@@ -3501,7 +3418,7 @@
           <a:p>
             <a:fld id="{D3363A0F-DEF3-4134-98D0-2E1276938A8B}" type="datetime1">
               <a:rPr lang="en-US" smtClean="0"/>
-              <a:t>2/15/2021</a:t>
+              <a:t>2/18/2021</a:t>
             </a:fld>
             <a:endParaRPr lang="en-US" dirty="0"/>
           </a:p>
@@ -3922,7 +3839,7 @@
           <a:p>
             <a:fld id="{61A2E4C8-2960-4ADD-862C-4D9643CB15AC}" type="datetime1">
               <a:rPr lang="en-US" smtClean="0"/>
-              <a:t>2/15/2021</a:t>
+              <a:t>2/18/2021</a:t>
             </a:fld>
             <a:endParaRPr lang="en-US" dirty="0"/>
           </a:p>
@@ -4275,7 +4192,7 @@
           <a:p>
             <a:fld id="{48BDEA15-09CD-4275-A8E0-385C965F48B0}" type="datetime1">
               <a:rPr lang="en-US" smtClean="0"/>
-              <a:t>2/15/2021</a:t>
+              <a:t>2/18/2021</a:t>
             </a:fld>
             <a:endParaRPr lang="en-US" dirty="0"/>
           </a:p>
@@ -4580,7 +4497,7 @@
           <a:p>
             <a:fld id="{4AF8082C-0922-4249-A612-B415F5231620}" type="datetime1">
               <a:rPr lang="en-US" smtClean="0"/>
-              <a:t>2/15/2021</a:t>
+              <a:t>2/18/2021</a:t>
             </a:fld>
             <a:endParaRPr lang="en-US" dirty="0"/>
           </a:p>
@@ -5808,7 +5725,7 @@
             </a:pPr>
             <a:r>
               <a:rPr lang="en-US" b="0" dirty="0"/>
-              <a:t>Gas Leak</a:t>
+              <a:t>Slip &amp; Trip</a:t>
             </a:r>
             <a:endParaRPr lang="en-SG" b="0" dirty="0"/>
           </a:p>
@@ -6250,7 +6167,7 @@
           <a:p>
             <a:r>
               <a:rPr lang="en-US" dirty="0"/>
-              <a:t>Level 3: Gas Leak</a:t>
+              <a:t>Level 3: Slip &amp; Trip</a:t>
             </a:r>
             <a:endParaRPr lang="en-SG" dirty="0"/>
           </a:p>
@@ -7821,7 +7738,7 @@
                   <a:schemeClr val="bg1"/>
                 </a:solidFill>
               </a:rPr>
-              <a:t>Safety Procedure #2 – Fire Safety</a:t>
+              <a:t>Safety Procedure #1 – Safety Gear</a:t>
             </a:r>
             <a:endParaRPr lang="en-SG" dirty="0">
               <a:solidFill>
@@ -7959,10 +7876,10 @@
       </p:sp>
       <p:sp>
         <p:nvSpPr>
-          <p:cNvPr id="3" name="Content Placeholder 2">
-            <a:extLst>
-              <a:ext uri="{FF2B5EF4-FFF2-40B4-BE49-F238E27FC236}">
-                <a16:creationId xmlns:a16="http://schemas.microsoft.com/office/drawing/2014/main" id="{3AFB64C8-BD46-4D4B-802F-3CED6A89DCFC}"/>
+          <p:cNvPr id="4" name="Content Placeholder 3">
+            <a:extLst>
+              <a:ext uri="{FF2B5EF4-FFF2-40B4-BE49-F238E27FC236}">
+                <a16:creationId xmlns:a16="http://schemas.microsoft.com/office/drawing/2014/main" id="{DE7E709B-83A2-4090-B4EF-F63699EAAB91}"/>
               </a:ext>
             </a:extLst>
           </p:cNvPr>
@@ -7973,74 +7890,19 @@
             <p:ph idx="1"/>
           </p:nvPr>
         </p:nvSpPr>
-        <p:spPr>
-          <a:xfrm>
-            <a:off x="1535371" y="2702257"/>
-            <a:ext cx="9935571" cy="3426158"/>
-          </a:xfrm>
-        </p:spPr>
-        <p:txBody>
-          <a:bodyPr anchor="t">
-            <a:normAutofit/>
-          </a:bodyPr>
-          <a:lstStyle/>
-          <a:p>
-            <a:pPr marL="285750" indent="-285750">
-              <a:buFont typeface="Arial" panose="020B0604020202020204" pitchFamily="34" charset="0"/>
-              <a:buChar char="•"/>
-            </a:pPr>
-            <a:r>
-              <a:rPr lang="en-US" dirty="0"/>
-              <a:t>Preventing fire from occurring</a:t>
-            </a:r>
-          </a:p>
-          <a:p>
-            <a:pPr marL="285750" indent="-285750">
-              <a:buFont typeface="Arial" panose="020B0604020202020204" pitchFamily="34" charset="0"/>
-              <a:buChar char="•"/>
-            </a:pPr>
-            <a:r>
-              <a:rPr lang="en-US" dirty="0"/>
-              <a:t>Prevent explosion</a:t>
-            </a:r>
-          </a:p>
-          <a:p>
-            <a:pPr marL="285750" indent="-285750">
-              <a:buFont typeface="Arial" panose="020B0604020202020204" pitchFamily="34" charset="0"/>
-              <a:buChar char="•"/>
-            </a:pPr>
-            <a:r>
-              <a:rPr lang="en-US" dirty="0"/>
-              <a:t>Keep workers safe from a fire</a:t>
-            </a:r>
-          </a:p>
-          <a:p>
-            <a:pPr marL="285750" indent="-285750">
-              <a:buFont typeface="Arial" panose="020B0604020202020204" pitchFamily="34" charset="0"/>
-              <a:buChar char="•"/>
-            </a:pPr>
-            <a:r>
-              <a:rPr lang="en-US" dirty="0"/>
-              <a:t>Reduce damages</a:t>
-            </a:r>
-          </a:p>
-          <a:p>
-            <a:pPr marL="285750" indent="-285750">
-              <a:buFont typeface="Arial" panose="020B0604020202020204" pitchFamily="34" charset="0"/>
-              <a:buChar char="•"/>
-            </a:pPr>
-            <a:r>
-              <a:rPr lang="en-US" dirty="0"/>
-              <a:t>Save lives</a:t>
-            </a:r>
-            <a:endParaRPr lang="en-SG" dirty="0"/>
+        <p:spPr/>
+        <p:txBody>
+          <a:bodyPr/>
+          <a:lstStyle/>
+          <a:p>
+            <a:endParaRPr lang="en-SG"/>
           </a:p>
         </p:txBody>
       </p:sp>
     </p:spTree>
     <p:extLst>
       <p:ext uri="{BB962C8B-B14F-4D97-AF65-F5344CB8AC3E}">
-        <p14:creationId xmlns:p14="http://schemas.microsoft.com/office/powerpoint/2010/main" val="123692098"/>
+        <p14:creationId xmlns:p14="http://schemas.microsoft.com/office/powerpoint/2010/main" val="3558880604"/>
       </p:ext>
     </p:extLst>
   </p:cSld>
@@ -8433,39 +8295,90 @@
           </a:p>
         </p:txBody>
       </p:sp>
-      <p:pic>
-        <p:nvPicPr>
-          <p:cNvPr id="5" name="Content Placeholder 4">
-            <a:extLst>
-              <a:ext uri="{FF2B5EF4-FFF2-40B4-BE49-F238E27FC236}">
-                <a16:creationId xmlns:a16="http://schemas.microsoft.com/office/drawing/2014/main" id="{0B5DFDB9-37BC-4A88-99D5-850329B2B7F2}"/>
-              </a:ext>
-            </a:extLst>
-          </p:cNvPr>
-          <p:cNvPicPr>
-            <a:picLocks noGrp="1" noChangeAspect="1"/>
-          </p:cNvPicPr>
+      <p:sp>
+        <p:nvSpPr>
+          <p:cNvPr id="3" name="Content Placeholder 2">
+            <a:extLst>
+              <a:ext uri="{FF2B5EF4-FFF2-40B4-BE49-F238E27FC236}">
+                <a16:creationId xmlns:a16="http://schemas.microsoft.com/office/drawing/2014/main" id="{3AFB64C8-BD46-4D4B-802F-3CED6A89DCFC}"/>
+              </a:ext>
+            </a:extLst>
+          </p:cNvPr>
+          <p:cNvSpPr>
+            <a:spLocks noGrp="1"/>
+          </p:cNvSpPr>
           <p:nvPr>
             <p:ph idx="1"/>
           </p:nvPr>
-        </p:nvPicPr>
-        <p:blipFill>
-          <a:blip r:embed="rId2"/>
-          <a:stretch>
-            <a:fillRect/>
-          </a:stretch>
-        </p:blipFill>
-        <p:spPr>
-          <a:xfrm>
-            <a:off x="3768806" y="2535769"/>
-            <a:ext cx="5687105" cy="4002037"/>
-          </a:xfrm>
-        </p:spPr>
-      </p:pic>
+        </p:nvSpPr>
+        <p:spPr>
+          <a:xfrm>
+            <a:off x="1535371" y="2702257"/>
+            <a:ext cx="9935571" cy="3426158"/>
+          </a:xfrm>
+        </p:spPr>
+        <p:txBody>
+          <a:bodyPr anchor="t">
+            <a:normAutofit/>
+          </a:bodyPr>
+          <a:lstStyle/>
+          <a:p>
+            <a:pPr marL="285750" indent="-285750">
+              <a:buFont typeface="Arial" panose="020B0604020202020204" pitchFamily="34" charset="0"/>
+              <a:buChar char="•"/>
+            </a:pPr>
+            <a:r>
+              <a:rPr lang="en-US" dirty="0"/>
+              <a:t>Preventing fire from occurring</a:t>
+            </a:r>
+          </a:p>
+          <a:p>
+            <a:pPr marL="285750" indent="-285750">
+              <a:buFont typeface="Arial" panose="020B0604020202020204" pitchFamily="34" charset="0"/>
+              <a:buChar char="•"/>
+            </a:pPr>
+            <a:r>
+              <a:rPr lang="en-US" dirty="0"/>
+              <a:t>Prevent explosion</a:t>
+            </a:r>
+          </a:p>
+          <a:p>
+            <a:pPr marL="285750" indent="-285750">
+              <a:buFont typeface="Arial" panose="020B0604020202020204" pitchFamily="34" charset="0"/>
+              <a:buChar char="•"/>
+            </a:pPr>
+            <a:r>
+              <a:rPr lang="en-US" dirty="0"/>
+              <a:t>Keep workers safe from a fire</a:t>
+            </a:r>
+          </a:p>
+          <a:p>
+            <a:pPr marL="285750" indent="-285750">
+              <a:buFont typeface="Arial" panose="020B0604020202020204" pitchFamily="34" charset="0"/>
+              <a:buChar char="•"/>
+            </a:pPr>
+            <a:r>
+              <a:rPr lang="en-US" dirty="0"/>
+              <a:t>Reduce damages</a:t>
+            </a:r>
+          </a:p>
+          <a:p>
+            <a:pPr marL="285750" indent="-285750">
+              <a:buFont typeface="Arial" panose="020B0604020202020204" pitchFamily="34" charset="0"/>
+              <a:buChar char="•"/>
+            </a:pPr>
+            <a:r>
+              <a:rPr lang="en-US" dirty="0"/>
+              <a:t>Save lives</a:t>
+            </a:r>
+            <a:endParaRPr lang="en-SG" dirty="0"/>
+          </a:p>
+        </p:txBody>
+      </p:sp>
     </p:spTree>
     <p:extLst>
       <p:ext uri="{BB962C8B-B14F-4D97-AF65-F5344CB8AC3E}">
-        <p14:creationId xmlns:p14="http://schemas.microsoft.com/office/powerpoint/2010/main" val="1776848312"/>
+        <p14:creationId xmlns:p14="http://schemas.microsoft.com/office/powerpoint/2010/main" val="123692098"/>
       </p:ext>
     </p:extLst>
   </p:cSld>
@@ -8722,7 +8635,7 @@
                   <a:schemeClr val="bg1"/>
                 </a:solidFill>
               </a:rPr>
-              <a:t>Safety Procedure #3 – Gas Leak</a:t>
+              <a:t>Safety Procedure #2 – Fire Safety</a:t>
             </a:r>
             <a:endParaRPr lang="en-SG" dirty="0">
               <a:solidFill>
@@ -8858,70 +8771,39 @@
           </a:p>
         </p:txBody>
       </p:sp>
-      <p:sp>
-        <p:nvSpPr>
-          <p:cNvPr id="3" name="Content Placeholder 2">
-            <a:extLst>
-              <a:ext uri="{FF2B5EF4-FFF2-40B4-BE49-F238E27FC236}">
-                <a16:creationId xmlns:a16="http://schemas.microsoft.com/office/drawing/2014/main" id="{3AFB64C8-BD46-4D4B-802F-3CED6A89DCFC}"/>
-              </a:ext>
-            </a:extLst>
-          </p:cNvPr>
-          <p:cNvSpPr>
-            <a:spLocks noGrp="1"/>
-          </p:cNvSpPr>
+      <p:pic>
+        <p:nvPicPr>
+          <p:cNvPr id="5" name="Content Placeholder 4">
+            <a:extLst>
+              <a:ext uri="{FF2B5EF4-FFF2-40B4-BE49-F238E27FC236}">
+                <a16:creationId xmlns:a16="http://schemas.microsoft.com/office/drawing/2014/main" id="{0B5DFDB9-37BC-4A88-99D5-850329B2B7F2}"/>
+              </a:ext>
+            </a:extLst>
+          </p:cNvPr>
+          <p:cNvPicPr>
+            <a:picLocks noGrp="1" noChangeAspect="1"/>
+          </p:cNvPicPr>
           <p:nvPr>
             <p:ph idx="1"/>
           </p:nvPr>
-        </p:nvSpPr>
-        <p:spPr>
-          <a:xfrm>
-            <a:off x="1535371" y="2702257"/>
-            <a:ext cx="9935571" cy="3426158"/>
-          </a:xfrm>
-        </p:spPr>
-        <p:txBody>
-          <a:bodyPr anchor="t">
-            <a:normAutofit/>
-          </a:bodyPr>
-          <a:lstStyle/>
-          <a:p>
-            <a:pPr marL="285750" indent="-285750">
-              <a:buFont typeface="Arial" panose="020B0604020202020204" pitchFamily="34" charset="0"/>
-              <a:buChar char="•"/>
-            </a:pPr>
-            <a:r>
-              <a:rPr lang="en-US" dirty="0"/>
-              <a:t>Prevent explosion</a:t>
-            </a:r>
-          </a:p>
-          <a:p>
-            <a:pPr marL="285750" indent="-285750">
-              <a:buFont typeface="Arial" panose="020B0604020202020204" pitchFamily="34" charset="0"/>
-              <a:buChar char="•"/>
-            </a:pPr>
-            <a:r>
-              <a:rPr lang="en-US" dirty="0"/>
-              <a:t>Keep workers safe from possible harmful gas</a:t>
-            </a:r>
-          </a:p>
-          <a:p>
-            <a:pPr marL="285750" indent="-285750">
-              <a:buFont typeface="Arial" panose="020B0604020202020204" pitchFamily="34" charset="0"/>
-              <a:buChar char="•"/>
-            </a:pPr>
-            <a:r>
-              <a:rPr lang="en-US" dirty="0"/>
-              <a:t>Save lives</a:t>
-            </a:r>
-            <a:endParaRPr lang="en-SG" dirty="0"/>
-          </a:p>
-        </p:txBody>
-      </p:sp>
+        </p:nvPicPr>
+        <p:blipFill>
+          <a:blip r:embed="rId2"/>
+          <a:stretch>
+            <a:fillRect/>
+          </a:stretch>
+        </p:blipFill>
+        <p:spPr>
+          <a:xfrm>
+            <a:off x="3768806" y="2535769"/>
+            <a:ext cx="5687105" cy="4002037"/>
+          </a:xfrm>
+        </p:spPr>
+      </p:pic>
     </p:spTree>
     <p:extLst>
       <p:ext uri="{BB962C8B-B14F-4D97-AF65-F5344CB8AC3E}">
-        <p14:creationId xmlns:p14="http://schemas.microsoft.com/office/powerpoint/2010/main" val="2363263273"/>
+        <p14:creationId xmlns:p14="http://schemas.microsoft.com/office/powerpoint/2010/main" val="1776848312"/>
       </p:ext>
     </p:extLst>
   </p:cSld>
@@ -9178,7 +9060,7 @@
                   <a:schemeClr val="bg1"/>
                 </a:solidFill>
               </a:rPr>
-              <a:t>Safety Procedure #3 – Gas Leak</a:t>
+              <a:t>Safety Procedure #3 – Slip &amp; Trip</a:t>
             </a:r>
             <a:endParaRPr lang="en-SG" dirty="0">
               <a:solidFill>
@@ -9314,39 +9196,70 @@
           </a:p>
         </p:txBody>
       </p:sp>
-      <p:pic>
-        <p:nvPicPr>
-          <p:cNvPr id="5" name="Content Placeholder 4">
-            <a:extLst>
-              <a:ext uri="{FF2B5EF4-FFF2-40B4-BE49-F238E27FC236}">
-                <a16:creationId xmlns:a16="http://schemas.microsoft.com/office/drawing/2014/main" id="{9E30790C-7AD2-41B4-A735-618D86AD0470}"/>
-              </a:ext>
-            </a:extLst>
-          </p:cNvPr>
-          <p:cNvPicPr>
-            <a:picLocks noGrp="1" noChangeAspect="1"/>
-          </p:cNvPicPr>
+      <p:sp>
+        <p:nvSpPr>
+          <p:cNvPr id="3" name="Content Placeholder 2">
+            <a:extLst>
+              <a:ext uri="{FF2B5EF4-FFF2-40B4-BE49-F238E27FC236}">
+                <a16:creationId xmlns:a16="http://schemas.microsoft.com/office/drawing/2014/main" id="{3AFB64C8-BD46-4D4B-802F-3CED6A89DCFC}"/>
+              </a:ext>
+            </a:extLst>
+          </p:cNvPr>
+          <p:cNvSpPr>
+            <a:spLocks noGrp="1"/>
+          </p:cNvSpPr>
           <p:nvPr>
             <p:ph idx="1"/>
           </p:nvPr>
-        </p:nvPicPr>
-        <p:blipFill>
-          <a:blip r:embed="rId3"/>
-          <a:stretch>
-            <a:fillRect/>
-          </a:stretch>
-        </p:blipFill>
-        <p:spPr>
-          <a:xfrm>
-            <a:off x="3456125" y="2554982"/>
-            <a:ext cx="6172200" cy="3878254"/>
-          </a:xfrm>
-        </p:spPr>
-      </p:pic>
+        </p:nvSpPr>
+        <p:spPr>
+          <a:xfrm>
+            <a:off x="1535371" y="2702257"/>
+            <a:ext cx="9935571" cy="3426158"/>
+          </a:xfrm>
+        </p:spPr>
+        <p:txBody>
+          <a:bodyPr anchor="t">
+            <a:normAutofit/>
+          </a:bodyPr>
+          <a:lstStyle/>
+          <a:p>
+            <a:pPr marL="285750" indent="-285750">
+              <a:buFont typeface="Arial" panose="020B0604020202020204" pitchFamily="34" charset="0"/>
+              <a:buChar char="•"/>
+            </a:pPr>
+            <a:r>
+              <a:rPr lang="en-US" dirty="0"/>
+              <a:t>Prevent further injuries</a:t>
+            </a:r>
+          </a:p>
+          <a:p>
+            <a:pPr marL="285750" indent="-285750">
+              <a:buFont typeface="Arial" panose="020B0604020202020204" pitchFamily="34" charset="0"/>
+              <a:buChar char="•"/>
+            </a:pPr>
+            <a:r>
+              <a:rPr lang="en-US" dirty="0"/>
+              <a:t>Prevent more casualties</a:t>
+            </a:r>
+          </a:p>
+          <a:p>
+            <a:pPr marL="285750" indent="-285750">
+              <a:buFont typeface="Arial" panose="020B0604020202020204" pitchFamily="34" charset="0"/>
+              <a:buChar char="•"/>
+            </a:pPr>
+            <a:r>
+              <a:rPr lang="en-US" dirty="0"/>
+              <a:t>Save lives (in some cases)</a:t>
+            </a:r>
+            <a:endParaRPr lang="en-SG" dirty="0"/>
+          </a:p>
+        </p:txBody>
+      </p:sp>
     </p:spTree>
     <p:extLst>
       <p:ext uri="{BB962C8B-B14F-4D97-AF65-F5344CB8AC3E}">
-        <p14:creationId xmlns:p14="http://schemas.microsoft.com/office/powerpoint/2010/main" val="3891040770"/>
+        <p14:creationId xmlns:p14="http://schemas.microsoft.com/office/powerpoint/2010/main" val="2363263273"/>
       </p:ext>
     </p:extLst>
   </p:cSld>
@@ -9698,7 +9611,7 @@
                   <a:schemeClr val="bg1"/>
                 </a:solidFill>
               </a:rPr>
-              <a:t>Version Control Usage</a:t>
+              <a:t>Safety Procedure #3 – Slip &amp; Trip</a:t>
             </a:r>
             <a:endParaRPr lang="en-SG" dirty="0">
               <a:solidFill>
@@ -9834,39 +9747,46 @@
           </a:p>
         </p:txBody>
       </p:sp>
-      <p:pic>
-        <p:nvPicPr>
-          <p:cNvPr id="5" name="Content Placeholder 4">
-            <a:extLst>
-              <a:ext uri="{FF2B5EF4-FFF2-40B4-BE49-F238E27FC236}">
-                <a16:creationId xmlns:a16="http://schemas.microsoft.com/office/drawing/2014/main" id="{22553108-2D94-4667-A0D6-9EB0D1651FE8}"/>
-              </a:ext>
-            </a:extLst>
-          </p:cNvPr>
-          <p:cNvPicPr>
-            <a:picLocks noGrp="1" noChangeAspect="1"/>
-          </p:cNvPicPr>
+      <p:sp>
+        <p:nvSpPr>
+          <p:cNvPr id="3" name="Content Placeholder 2">
+            <a:extLst>
+              <a:ext uri="{FF2B5EF4-FFF2-40B4-BE49-F238E27FC236}">
+                <a16:creationId xmlns:a16="http://schemas.microsoft.com/office/drawing/2014/main" id="{3AFB64C8-BD46-4D4B-802F-3CED6A89DCFC}"/>
+              </a:ext>
+            </a:extLst>
+          </p:cNvPr>
+          <p:cNvSpPr>
+            <a:spLocks noGrp="1"/>
+          </p:cNvSpPr>
           <p:nvPr>
             <p:ph idx="1"/>
           </p:nvPr>
-        </p:nvPicPr>
-        <p:blipFill>
-          <a:blip r:embed="rId3"/>
-          <a:stretch>
-            <a:fillRect/>
-          </a:stretch>
-        </p:blipFill>
-        <p:spPr>
-          <a:xfrm>
-            <a:off x="3456125" y="2890901"/>
-            <a:ext cx="6172200" cy="2923045"/>
-          </a:xfrm>
-        </p:spPr>
-      </p:pic>
+        </p:nvSpPr>
+        <p:spPr>
+          <a:xfrm>
+            <a:off x="1535371" y="2702257"/>
+            <a:ext cx="9935571" cy="3426158"/>
+          </a:xfrm>
+        </p:spPr>
+        <p:txBody>
+          <a:bodyPr anchor="t">
+            <a:normAutofit/>
+          </a:bodyPr>
+          <a:lstStyle/>
+          <a:p>
+            <a:pPr marL="285750" indent="-285750">
+              <a:buFont typeface="Arial" panose="020B0604020202020204" pitchFamily="34" charset="0"/>
+              <a:buChar char="•"/>
+            </a:pPr>
+            <a:endParaRPr lang="en-SG" dirty="0"/>
+          </a:p>
+        </p:txBody>
+      </p:sp>
     </p:spTree>
     <p:extLst>
       <p:ext uri="{BB962C8B-B14F-4D97-AF65-F5344CB8AC3E}">
-        <p14:creationId xmlns:p14="http://schemas.microsoft.com/office/powerpoint/2010/main" val="3711435020"/>
+        <p14:creationId xmlns:p14="http://schemas.microsoft.com/office/powerpoint/2010/main" val="1272717078"/>
       </p:ext>
     </p:extLst>
   </p:cSld>
@@ -10118,14 +10038,14 @@
           <a:lstStyle/>
           <a:p>
             <a:r>
-              <a:rPr lang="en-US" sz="2800" dirty="0">
+              <a:rPr lang="en-US" dirty="0">
                 <a:solidFill>
                   <a:schemeClr val="bg1"/>
                 </a:solidFill>
               </a:rPr>
-              <a:t>Static, Dynamic Batching and GPU Instancing</a:t>
+              <a:t>Version Control Usage</a:t>
             </a:r>
-            <a:endParaRPr lang="en-SG" sz="2800" dirty="0">
+            <a:endParaRPr lang="en-SG" dirty="0">
               <a:solidFill>
                 <a:schemeClr val="bg1"/>
               </a:solidFill>
@@ -10259,35 +10179,39 @@
           </a:p>
         </p:txBody>
       </p:sp>
-      <p:sp>
-        <p:nvSpPr>
-          <p:cNvPr id="6" name="Content Placeholder 5">
-            <a:extLst>
-              <a:ext uri="{FF2B5EF4-FFF2-40B4-BE49-F238E27FC236}">
-                <a16:creationId xmlns:a16="http://schemas.microsoft.com/office/drawing/2014/main" id="{678DF3F8-58E2-462E-B54E-796F18AD4B5A}"/>
-              </a:ext>
-            </a:extLst>
-          </p:cNvPr>
-          <p:cNvSpPr>
-            <a:spLocks noGrp="1"/>
-          </p:cNvSpPr>
+      <p:pic>
+        <p:nvPicPr>
+          <p:cNvPr id="5" name="Content Placeholder 4">
+            <a:extLst>
+              <a:ext uri="{FF2B5EF4-FFF2-40B4-BE49-F238E27FC236}">
+                <a16:creationId xmlns:a16="http://schemas.microsoft.com/office/drawing/2014/main" id="{22553108-2D94-4667-A0D6-9EB0D1651FE8}"/>
+              </a:ext>
+            </a:extLst>
+          </p:cNvPr>
+          <p:cNvPicPr>
+            <a:picLocks noGrp="1" noChangeAspect="1"/>
+          </p:cNvPicPr>
           <p:nvPr>
             <p:ph idx="1"/>
           </p:nvPr>
-        </p:nvSpPr>
-        <p:spPr/>
-        <p:txBody>
-          <a:bodyPr/>
-          <a:lstStyle/>
-          <a:p>
-            <a:endParaRPr lang="en-SG" dirty="0"/>
-          </a:p>
-        </p:txBody>
-      </p:sp>
+        </p:nvPicPr>
+        <p:blipFill>
+          <a:blip r:embed="rId3"/>
+          <a:stretch>
+            <a:fillRect/>
+          </a:stretch>
+        </p:blipFill>
+        <p:spPr>
+          <a:xfrm>
+            <a:off x="3456125" y="2890901"/>
+            <a:ext cx="6172200" cy="2923045"/>
+          </a:xfrm>
+        </p:spPr>
+      </p:pic>
     </p:spTree>
     <p:extLst>
       <p:ext uri="{BB962C8B-B14F-4D97-AF65-F5344CB8AC3E}">
-        <p14:creationId xmlns:p14="http://schemas.microsoft.com/office/powerpoint/2010/main" val="900358351"/>
+        <p14:creationId xmlns:p14="http://schemas.microsoft.com/office/powerpoint/2010/main" val="3711435020"/>
       </p:ext>
     </p:extLst>
   </p:cSld>
@@ -10539,14 +10463,14 @@
           <a:lstStyle/>
           <a:p>
             <a:r>
-              <a:rPr lang="en-US" dirty="0">
+              <a:rPr lang="en-US" sz="2800" dirty="0">
                 <a:solidFill>
                   <a:schemeClr val="bg1"/>
                 </a:solidFill>
               </a:rPr>
-              <a:t>Code Indentations</a:t>
+              <a:t>Static, Dynamic Batching and GPU Instancing</a:t>
             </a:r>
-            <a:endParaRPr lang="en-SG" dirty="0">
+            <a:endParaRPr lang="en-SG" sz="2800" dirty="0">
               <a:solidFill>
                 <a:schemeClr val="bg1"/>
               </a:solidFill>
@@ -10682,10 +10606,10 @@
       </p:sp>
       <p:sp>
         <p:nvSpPr>
-          <p:cNvPr id="4" name="Content Placeholder 3">
-            <a:extLst>
-              <a:ext uri="{FF2B5EF4-FFF2-40B4-BE49-F238E27FC236}">
-                <a16:creationId xmlns:a16="http://schemas.microsoft.com/office/drawing/2014/main" id="{6AA83A3C-E4FC-4797-A823-DF3E050F71D3}"/>
+          <p:cNvPr id="6" name="Content Placeholder 5">
+            <a:extLst>
+              <a:ext uri="{FF2B5EF4-FFF2-40B4-BE49-F238E27FC236}">
+                <a16:creationId xmlns:a16="http://schemas.microsoft.com/office/drawing/2014/main" id="{678DF3F8-58E2-462E-B54E-796F18AD4B5A}"/>
               </a:ext>
             </a:extLst>
           </p:cNvPr>
@@ -10701,14 +10625,14 @@
           <a:bodyPr/>
           <a:lstStyle/>
           <a:p>
-            <a:endParaRPr lang="en-SG"/>
+            <a:endParaRPr lang="en-SG" dirty="0"/>
           </a:p>
         </p:txBody>
       </p:sp>
     </p:spTree>
     <p:extLst>
       <p:ext uri="{BB962C8B-B14F-4D97-AF65-F5344CB8AC3E}">
-        <p14:creationId xmlns:p14="http://schemas.microsoft.com/office/powerpoint/2010/main" val="2867725885"/>
+        <p14:creationId xmlns:p14="http://schemas.microsoft.com/office/powerpoint/2010/main" val="900358351"/>
       </p:ext>
     </p:extLst>
   </p:cSld>
@@ -11585,6 +11509,427 @@
           <a:chExt cx="0" cy="0"/>
         </a:xfrm>
       </p:grpSpPr>
+      <p:sp useBgFill="1">
+        <p:nvSpPr>
+          <p:cNvPr id="8" name="Rectangle 7">
+            <a:extLst>
+              <a:ext uri="{FF2B5EF4-FFF2-40B4-BE49-F238E27FC236}">
+                <a16:creationId xmlns:a16="http://schemas.microsoft.com/office/drawing/2014/main" id="{72526924-84D3-45FB-A5FE-62D8FCBF53B6}"/>
+              </a:ext>
+              <a:ext uri="{C183D7F6-B498-43B3-948B-1728B52AA6E4}">
+                <adec:decorative xmlns:adec="http://schemas.microsoft.com/office/drawing/2017/decorative" val="1"/>
+              </a:ext>
+            </a:extLst>
+          </p:cNvPr>
+          <p:cNvSpPr>
+            <a:spLocks noGrp="1" noRot="1" noChangeAspect="1" noMove="1" noResize="1" noEditPoints="1" noAdjustHandles="1" noChangeArrowheads="1" noChangeShapeType="1" noTextEdit="1"/>
+          </p:cNvSpPr>
+          <p:nvPr>
+            <p:extLst>
+              <p:ext uri="{386F3935-93C4-4BCD-93E2-E3B085C9AB24}">
+                <p16:designElem xmlns:p16="http://schemas.microsoft.com/office/powerpoint/2015/main" val="1"/>
+              </p:ext>
+            </p:extLst>
+          </p:nvPr>
+        </p:nvSpPr>
+        <p:spPr>
+          <a:xfrm>
+            <a:off x="0" y="0"/>
+            <a:ext cx="12192001" cy="6858000"/>
+          </a:xfrm>
+          <a:prstGeom prst="rect">
+            <a:avLst/>
+          </a:prstGeom>
+          <a:ln>
+            <a:noFill/>
+          </a:ln>
+        </p:spPr>
+        <p:style>
+          <a:lnRef idx="2">
+            <a:schemeClr val="accent1">
+              <a:shade val="50000"/>
+            </a:schemeClr>
+          </a:lnRef>
+          <a:fillRef idx="1">
+            <a:schemeClr val="accent1"/>
+          </a:fillRef>
+          <a:effectRef idx="0">
+            <a:schemeClr val="accent1"/>
+          </a:effectRef>
+          <a:fontRef idx="minor">
+            <a:schemeClr val="lt1"/>
+          </a:fontRef>
+        </p:style>
+        <p:txBody>
+          <a:bodyPr rtlCol="0" anchor="ctr"/>
+          <a:lstStyle/>
+          <a:p>
+            <a:pPr algn="ctr"/>
+            <a:endParaRPr lang="en-US"/>
+          </a:p>
+        </p:txBody>
+      </p:sp>
+      <p:sp>
+        <p:nvSpPr>
+          <p:cNvPr id="10" name="Rectangle 9">
+            <a:extLst>
+              <a:ext uri="{FF2B5EF4-FFF2-40B4-BE49-F238E27FC236}">
+                <a16:creationId xmlns:a16="http://schemas.microsoft.com/office/drawing/2014/main" id="{5C2A6256-1DD0-4E4B-A8B3-9A711B4DBE0C}"/>
+              </a:ext>
+              <a:ext uri="{C183D7F6-B498-43B3-948B-1728B52AA6E4}">
+                <adec:decorative xmlns:adec="http://schemas.microsoft.com/office/drawing/2017/decorative" val="1"/>
+              </a:ext>
+            </a:extLst>
+          </p:cNvPr>
+          <p:cNvSpPr>
+            <a:spLocks noGrp="1" noRot="1" noChangeAspect="1" noMove="1" noResize="1" noEditPoints="1" noAdjustHandles="1" noChangeArrowheads="1" noChangeShapeType="1" noTextEdit="1"/>
+          </p:cNvSpPr>
+          <p:nvPr>
+            <p:extLst>
+              <p:ext uri="{386F3935-93C4-4BCD-93E2-E3B085C9AB24}">
+                <p16:designElem xmlns:p16="http://schemas.microsoft.com/office/powerpoint/2015/main" val="1"/>
+              </p:ext>
+            </p:extLst>
+          </p:nvPr>
+        </p:nvSpPr>
+        <p:spPr>
+          <a:xfrm>
+            <a:off x="1038768" y="2130218"/>
+            <a:ext cx="11153231" cy="4727782"/>
+          </a:xfrm>
+          <a:prstGeom prst="rect">
+            <a:avLst/>
+          </a:prstGeom>
+          <a:solidFill>
+            <a:schemeClr val="bg1">
+              <a:alpha val="75000"/>
+            </a:schemeClr>
+          </a:solidFill>
+          <a:ln>
+            <a:noFill/>
+          </a:ln>
+        </p:spPr>
+        <p:style>
+          <a:lnRef idx="2">
+            <a:schemeClr val="accent1">
+              <a:shade val="50000"/>
+            </a:schemeClr>
+          </a:lnRef>
+          <a:fillRef idx="1">
+            <a:schemeClr val="accent1"/>
+          </a:fillRef>
+          <a:effectRef idx="0">
+            <a:schemeClr val="accent1"/>
+          </a:effectRef>
+          <a:fontRef idx="minor">
+            <a:schemeClr val="lt1"/>
+          </a:fontRef>
+        </p:style>
+        <p:txBody>
+          <a:bodyPr rtlCol="0" anchor="ctr"/>
+          <a:lstStyle/>
+          <a:p>
+            <a:pPr algn="ctr"/>
+            <a:endParaRPr lang="en-US"/>
+          </a:p>
+        </p:txBody>
+      </p:sp>
+      <p:sp>
+        <p:nvSpPr>
+          <p:cNvPr id="12" name="Rectangle 11">
+            <a:extLst>
+              <a:ext uri="{FF2B5EF4-FFF2-40B4-BE49-F238E27FC236}">
+                <a16:creationId xmlns:a16="http://schemas.microsoft.com/office/drawing/2014/main" id="{41760540-185E-4652-BFD2-9B362EF3BC99}"/>
+              </a:ext>
+              <a:ext uri="{C183D7F6-B498-43B3-948B-1728B52AA6E4}">
+                <adec:decorative xmlns:adec="http://schemas.microsoft.com/office/drawing/2017/decorative" val="1"/>
+              </a:ext>
+            </a:extLst>
+          </p:cNvPr>
+          <p:cNvSpPr>
+            <a:spLocks noGrp="1" noRot="1" noChangeAspect="1" noMove="1" noResize="1" noEditPoints="1" noAdjustHandles="1" noChangeArrowheads="1" noChangeShapeType="1" noTextEdit="1"/>
+          </p:cNvSpPr>
+          <p:nvPr>
+            <p:extLst>
+              <p:ext uri="{386F3935-93C4-4BCD-93E2-E3B085C9AB24}">
+                <p16:designElem xmlns:p16="http://schemas.microsoft.com/office/powerpoint/2015/main" val="1"/>
+              </p:ext>
+            </p:extLst>
+          </p:nvPr>
+        </p:nvSpPr>
+        <p:spPr>
+          <a:xfrm>
+            <a:off x="0" y="896641"/>
+            <a:ext cx="12192000" cy="1347716"/>
+          </a:xfrm>
+          <a:prstGeom prst="rect">
+            <a:avLst/>
+          </a:prstGeom>
+          <a:solidFill>
+            <a:schemeClr val="tx2"/>
+          </a:solidFill>
+          <a:ln>
+            <a:noFill/>
+          </a:ln>
+        </p:spPr>
+        <p:style>
+          <a:lnRef idx="2">
+            <a:schemeClr val="accent1">
+              <a:shade val="50000"/>
+            </a:schemeClr>
+          </a:lnRef>
+          <a:fillRef idx="1">
+            <a:schemeClr val="accent1"/>
+          </a:fillRef>
+          <a:effectRef idx="0">
+            <a:schemeClr val="accent1"/>
+          </a:effectRef>
+          <a:fontRef idx="minor">
+            <a:schemeClr val="lt1"/>
+          </a:fontRef>
+        </p:style>
+        <p:txBody>
+          <a:bodyPr rtlCol="0" anchor="ctr"/>
+          <a:lstStyle/>
+          <a:p>
+            <a:pPr algn="ctr"/>
+            <a:endParaRPr lang="en-US"/>
+          </a:p>
+        </p:txBody>
+      </p:sp>
+      <p:sp>
+        <p:nvSpPr>
+          <p:cNvPr id="2" name="Title 1">
+            <a:extLst>
+              <a:ext uri="{FF2B5EF4-FFF2-40B4-BE49-F238E27FC236}">
+                <a16:creationId xmlns:a16="http://schemas.microsoft.com/office/drawing/2014/main" id="{ABE70A7F-97BF-45FF-B010-81F39354616F}"/>
+              </a:ext>
+            </a:extLst>
+          </p:cNvPr>
+          <p:cNvSpPr>
+            <a:spLocks noGrp="1"/>
+          </p:cNvSpPr>
+          <p:nvPr>
+            <p:ph type="title"/>
+          </p:nvPr>
+        </p:nvSpPr>
+        <p:spPr>
+          <a:xfrm>
+            <a:off x="1535371" y="1044054"/>
+            <a:ext cx="10013709" cy="1030360"/>
+          </a:xfrm>
+        </p:spPr>
+        <p:txBody>
+          <a:bodyPr>
+            <a:normAutofit/>
+          </a:bodyPr>
+          <a:lstStyle/>
+          <a:p>
+            <a:r>
+              <a:rPr lang="en-US" dirty="0">
+                <a:solidFill>
+                  <a:schemeClr val="bg1"/>
+                </a:solidFill>
+              </a:rPr>
+              <a:t>Code Indentations</a:t>
+            </a:r>
+            <a:endParaRPr lang="en-SG" dirty="0">
+              <a:solidFill>
+                <a:schemeClr val="bg1"/>
+              </a:solidFill>
+            </a:endParaRPr>
+          </a:p>
+        </p:txBody>
+      </p:sp>
+      <p:sp>
+        <p:nvSpPr>
+          <p:cNvPr id="14" name="Rectangle 13">
+            <a:extLst>
+              <a:ext uri="{FF2B5EF4-FFF2-40B4-BE49-F238E27FC236}">
+                <a16:creationId xmlns:a16="http://schemas.microsoft.com/office/drawing/2014/main" id="{729789F4-85C1-41A0-83EB-992E22210CB9}"/>
+              </a:ext>
+              <a:ext uri="{C183D7F6-B498-43B3-948B-1728B52AA6E4}">
+                <adec:decorative xmlns:adec="http://schemas.microsoft.com/office/drawing/2017/decorative" val="1"/>
+              </a:ext>
+            </a:extLst>
+          </p:cNvPr>
+          <p:cNvSpPr>
+            <a:spLocks noGrp="1" noRot="1" noChangeAspect="1" noMove="1" noResize="1" noEditPoints="1" noAdjustHandles="1" noChangeArrowheads="1" noChangeShapeType="1" noTextEdit="1"/>
+          </p:cNvSpPr>
+          <p:nvPr>
+            <p:extLst>
+              <p:ext uri="{386F3935-93C4-4BCD-93E2-E3B085C9AB24}">
+                <p16:designElem xmlns:p16="http://schemas.microsoft.com/office/powerpoint/2015/main" val="1"/>
+              </p:ext>
+            </p:extLst>
+          </p:nvPr>
+        </p:nvSpPr>
+        <p:spPr>
+          <a:xfrm>
+            <a:off x="-1" y="962423"/>
+            <a:ext cx="1006766" cy="1216152"/>
+          </a:xfrm>
+          <a:prstGeom prst="rect">
+            <a:avLst/>
+          </a:prstGeom>
+          <a:solidFill>
+            <a:schemeClr val="accent1"/>
+          </a:solidFill>
+          <a:ln>
+            <a:noFill/>
+          </a:ln>
+        </p:spPr>
+        <p:style>
+          <a:lnRef idx="2">
+            <a:schemeClr val="accent1">
+              <a:shade val="50000"/>
+            </a:schemeClr>
+          </a:lnRef>
+          <a:fillRef idx="1">
+            <a:schemeClr val="accent1"/>
+          </a:fillRef>
+          <a:effectRef idx="0">
+            <a:schemeClr val="accent1"/>
+          </a:effectRef>
+          <a:fontRef idx="minor">
+            <a:schemeClr val="lt1"/>
+          </a:fontRef>
+        </p:style>
+        <p:txBody>
+          <a:bodyPr rtlCol="0" anchor="ctr"/>
+          <a:lstStyle/>
+          <a:p>
+            <a:pPr algn="ctr"/>
+            <a:endParaRPr lang="en-US"/>
+          </a:p>
+        </p:txBody>
+      </p:sp>
+      <p:sp>
+        <p:nvSpPr>
+          <p:cNvPr id="16" name="Rectangle 15">
+            <a:extLst>
+              <a:ext uri="{FF2B5EF4-FFF2-40B4-BE49-F238E27FC236}">
+                <a16:creationId xmlns:a16="http://schemas.microsoft.com/office/drawing/2014/main" id="{9D9D367D-6DD2-4A7C-8918-0DCAC297559A}"/>
+              </a:ext>
+              <a:ext uri="{C183D7F6-B498-43B3-948B-1728B52AA6E4}">
+                <adec:decorative xmlns:adec="http://schemas.microsoft.com/office/drawing/2017/decorative" val="1"/>
+              </a:ext>
+            </a:extLst>
+          </p:cNvPr>
+          <p:cNvSpPr>
+            <a:spLocks noGrp="1" noRot="1" noChangeAspect="1" noMove="1" noResize="1" noEditPoints="1" noAdjustHandles="1" noChangeArrowheads="1" noChangeShapeType="1" noTextEdit="1"/>
+          </p:cNvSpPr>
+          <p:nvPr>
+            <p:extLst>
+              <p:ext uri="{386F3935-93C4-4BCD-93E2-E3B085C9AB24}">
+                <p16:designElem xmlns:p16="http://schemas.microsoft.com/office/powerpoint/2015/main" val="1"/>
+              </p:ext>
+            </p:extLst>
+          </p:nvPr>
+        </p:nvSpPr>
+        <p:spPr>
+          <a:xfrm rot="5400000">
+            <a:off x="-2390232" y="3396997"/>
+            <a:ext cx="6858002" cy="64008"/>
+          </a:xfrm>
+          <a:prstGeom prst="rect">
+            <a:avLst/>
+          </a:prstGeom>
+          <a:solidFill>
+            <a:schemeClr val="tx2"/>
+          </a:solidFill>
+          <a:ln>
+            <a:noFill/>
+          </a:ln>
+        </p:spPr>
+        <p:style>
+          <a:lnRef idx="2">
+            <a:schemeClr val="accent1">
+              <a:shade val="50000"/>
+            </a:schemeClr>
+          </a:lnRef>
+          <a:fillRef idx="1">
+            <a:schemeClr val="accent1"/>
+          </a:fillRef>
+          <a:effectRef idx="0">
+            <a:schemeClr val="accent1"/>
+          </a:effectRef>
+          <a:fontRef idx="minor">
+            <a:schemeClr val="lt1"/>
+          </a:fontRef>
+        </p:style>
+        <p:txBody>
+          <a:bodyPr rtlCol="0" anchor="ctr"/>
+          <a:lstStyle/>
+          <a:p>
+            <a:pPr algn="ctr"/>
+            <a:endParaRPr lang="en-US"/>
+          </a:p>
+        </p:txBody>
+      </p:sp>
+      <p:sp>
+        <p:nvSpPr>
+          <p:cNvPr id="4" name="Content Placeholder 3">
+            <a:extLst>
+              <a:ext uri="{FF2B5EF4-FFF2-40B4-BE49-F238E27FC236}">
+                <a16:creationId xmlns:a16="http://schemas.microsoft.com/office/drawing/2014/main" id="{6AA83A3C-E4FC-4797-A823-DF3E050F71D3}"/>
+              </a:ext>
+            </a:extLst>
+          </p:cNvPr>
+          <p:cNvSpPr>
+            <a:spLocks noGrp="1"/>
+          </p:cNvSpPr>
+          <p:nvPr>
+            <p:ph idx="1"/>
+          </p:nvPr>
+        </p:nvSpPr>
+        <p:spPr/>
+        <p:txBody>
+          <a:bodyPr/>
+          <a:lstStyle/>
+          <a:p>
+            <a:endParaRPr lang="en-SG"/>
+          </a:p>
+        </p:txBody>
+      </p:sp>
+    </p:spTree>
+    <p:extLst>
+      <p:ext uri="{BB962C8B-B14F-4D97-AF65-F5344CB8AC3E}">
+        <p14:creationId xmlns:p14="http://schemas.microsoft.com/office/powerpoint/2010/main" val="2867725885"/>
+      </p:ext>
+    </p:extLst>
+  </p:cSld>
+  <p:clrMapOvr>
+    <a:masterClrMapping/>
+  </p:clrMapOvr>
+</p:sld>
+</file>
+
+<file path=ppt/slides/slide26.xml><?xml version="1.0" encoding="utf-8"?>
+<p:sld xmlns:a="http://schemas.openxmlformats.org/drawingml/2006/main" xmlns:r="http://schemas.openxmlformats.org/officeDocument/2006/relationships" xmlns:p="http://schemas.openxmlformats.org/presentationml/2006/main">
+  <p:cSld>
+    <p:bg>
+      <p:bgPr>
+        <a:solidFill>
+          <a:schemeClr val="bg2"/>
+        </a:solidFill>
+        <a:effectLst/>
+      </p:bgPr>
+    </p:bg>
+    <p:spTree>
+      <p:nvGrpSpPr>
+        <p:cNvPr id="1" name=""/>
+        <p:cNvGrpSpPr/>
+        <p:nvPr/>
+      </p:nvGrpSpPr>
+      <p:grpSpPr>
+        <a:xfrm>
+          <a:off x="0" y="0"/>
+          <a:ext cx="0" cy="0"/>
+          <a:chOff x="0" y="0"/>
+          <a:chExt cx="0" cy="0"/>
+        </a:xfrm>
+      </p:grpSpPr>
       <p:sp>
         <p:nvSpPr>
           <p:cNvPr id="47" name="Rectangle 46">
@@ -12408,86 +12753,6 @@
                 <a:latin typeface="arial" panose="020B0604020202020204" pitchFamily="34" charset="0"/>
               </a:rPr>
               <a:t>A </a:t>
-            </a:r>
-            <a:r>
-              <a:rPr lang="en-US" b="1" i="0" dirty="0">
-                <a:solidFill>
-                  <a:srgbClr val="202124"/>
-                </a:solidFill>
-                <a:effectLst/>
-                <a:latin typeface="arial" panose="020B0604020202020204" pitchFamily="34" charset="0"/>
-              </a:rPr>
-              <a:t>simulation</a:t>
-            </a:r>
-            <a:r>
-              <a:rPr lang="en-US" b="0" i="0" dirty="0">
-                <a:solidFill>
-                  <a:srgbClr val="202124"/>
-                </a:solidFill>
-                <a:effectLst/>
-                <a:latin typeface="arial" panose="020B0604020202020204" pitchFamily="34" charset="0"/>
-              </a:rPr>
-              <a:t> video </a:t>
-            </a:r>
-            <a:r>
-              <a:rPr lang="en-US" b="1" i="0" dirty="0">
-                <a:solidFill>
-                  <a:srgbClr val="202124"/>
-                </a:solidFill>
-                <a:effectLst/>
-                <a:latin typeface="arial" panose="020B0604020202020204" pitchFamily="34" charset="0"/>
-              </a:rPr>
-              <a:t>game</a:t>
-            </a:r>
-            <a:r>
-              <a:rPr lang="en-US" b="0" i="0" dirty="0">
-                <a:solidFill>
-                  <a:srgbClr val="202124"/>
-                </a:solidFill>
-                <a:effectLst/>
-                <a:latin typeface="arial" panose="020B0604020202020204" pitchFamily="34" charset="0"/>
-              </a:rPr>
-              <a:t> describes a diverse super-category of video </a:t>
-            </a:r>
-            <a:r>
-              <a:rPr lang="en-US" b="1" i="0" dirty="0">
-                <a:solidFill>
-                  <a:srgbClr val="202124"/>
-                </a:solidFill>
-                <a:effectLst/>
-                <a:latin typeface="arial" panose="020B0604020202020204" pitchFamily="34" charset="0"/>
-              </a:rPr>
-              <a:t>games</a:t>
-            </a:r>
-            <a:r>
-              <a:rPr lang="en-US" b="0" i="0" dirty="0">
-                <a:solidFill>
-                  <a:srgbClr val="202124"/>
-                </a:solidFill>
-                <a:effectLst/>
-                <a:latin typeface="arial" panose="020B0604020202020204" pitchFamily="34" charset="0"/>
-              </a:rPr>
-              <a:t>, generally designed to closely </a:t>
-            </a:r>
-            <a:r>
-              <a:rPr lang="en-US" b="1" i="0" dirty="0">
-                <a:solidFill>
-                  <a:srgbClr val="202124"/>
-                </a:solidFill>
-                <a:effectLst/>
-                <a:latin typeface="arial" panose="020B0604020202020204" pitchFamily="34" charset="0"/>
-              </a:rPr>
-              <a:t>simulate</a:t>
-            </a:r>
-            <a:r>
-              <a:rPr lang="en-US" b="0" i="0" dirty="0">
-                <a:solidFill>
-                  <a:srgbClr val="202124"/>
-                </a:solidFill>
-                <a:effectLst/>
-                <a:latin typeface="arial" panose="020B0604020202020204" pitchFamily="34" charset="0"/>
-              </a:rPr>
-              <a:t> real world activities. A </a:t>
             </a:r>
             <a:r>
               <a:rPr lang="en-US" b="1" i="0" dirty="0">
